--- a/tamil_biology/NEET_BIOLOGY_001.pptx
+++ b/tamil_biology/NEET_BIOLOGY_001.pptx
@@ -3163,27 +3163,28 @@
           <a:lstStyle/>
           <a:p>
             <a:r>
-              <a:t>குவான்டோசோம் இவற்றில் காணப்படுகிறது?</a:t>
-            </a:r>
-          </a:p>
-          <a:p>
-            <a:r>
-              <a:t>மைட்டோகாண்ட்ரியா</a:t>
-            </a:r>
-          </a:p>
-          <a:p>
-            <a:r>
-              <a:t>பசுங்கணிகம்</a:t>
-            </a:r>
-          </a:p>
-          <a:p>
-            <a:r>
-              <a:t>கோல்கை உடலங்கள்</a:t>
-            </a:r>
-          </a:p>
-          <a:p>
-            <a:r>
-              <a:t>எண்டோபிளாச வலை</a:t>
+              <a:t>Q - 7  குவான்டோசோம் இவற்றில் காணப்படுகிறது?</a:t>
+            </a:r>
+          </a:p>
+          <a:p/>
+          <a:p>
+            <a:r>
+              <a:t>அ) மைட்டோகாண்ட்ரியா</a:t>
+            </a:r>
+          </a:p>
+          <a:p>
+            <a:r>
+              <a:t>ஆ) பசுங்கணிகம்</a:t>
+            </a:r>
+          </a:p>
+          <a:p>
+            <a:r>
+              <a:t>இ) கோல்கை உடலங்கள்</a:t>
+            </a:r>
+          </a:p>
+          <a:p>
+            <a:r>
+              <a:t>ஈ) எண்டோபிளாச வலை</a:t>
             </a:r>
           </a:p>
         </p:txBody>

--- a/tamil_biology/NEET_BIOLOGY_001.pptx
+++ b/tamil_biology/NEET_BIOLOGY_001.pptx
@@ -6,6 +6,15 @@
   </p:sldMasterIdLst>
   <p:sldIdLst>
     <p:sldId id="256" r:id="rId7"/>
+    <p:sldId id="257" r:id="rId8"/>
+    <p:sldId id="258" r:id="rId9"/>
+    <p:sldId id="259" r:id="rId10"/>
+    <p:sldId id="260" r:id="rId11"/>
+    <p:sldId id="261" r:id="rId12"/>
+    <p:sldId id="262" r:id="rId13"/>
+    <p:sldId id="263" r:id="rId14"/>
+    <p:sldId id="264" r:id="rId15"/>
+    <p:sldId id="265" r:id="rId16"/>
   </p:sldIdLst>
   <p:sldSz cx="9144000" cy="6858000" type="screen4x3"/>
   <p:notesSz cx="6858000" cy="9144000"/>
@@ -3132,10 +3141,10 @@
           <a:p>
             <a:pPr algn="ctr"/>
             <a:r>
-              <a:rPr sz="3200" b="1">
+              <a:rPr sz="2400" b="1">
                 <a:latin typeface="Calibri"/>
               </a:rPr>
-              <a:t>Lession 1 - Biology - 11th?</a:t>
+              <a:t>11th Std - Questions</a:t>
             </a:r>
           </a:p>
         </p:txBody>
@@ -3149,7 +3158,7 @@
         <p:spPr>
           <a:xfrm>
             <a:off x="457200" y="1371600"/>
-            <a:ext cx="8686800" cy="3657600"/>
+            <a:ext cx="7315200" cy="3657600"/>
           </a:xfrm>
           <a:prstGeom prst="rect">
             <a:avLst/>
@@ -3157,7 +3166,7 @@
           <a:noFill/>
         </p:spPr>
         <p:txBody>
-          <a:bodyPr wrap="none">
+          <a:bodyPr wrap="square">
             <a:spAutoFit/>
           </a:bodyPr>
           <a:lstStyle/>
@@ -3185,6 +3194,1002 @@
           <a:p>
             <a:r>
               <a:t>ஈ) எண்டோபிளாச வலை</a:t>
+            </a:r>
+          </a:p>
+        </p:txBody>
+      </p:sp>
+    </p:spTree>
+  </p:cSld>
+  <p:clrMapOvr>
+    <a:masterClrMapping/>
+  </p:clrMapOvr>
+</p:sld>
+</file>
+
+<file path=ppt/slides/slide10.xml><?xml version="1.0" encoding="utf-8"?>
+<p:sld xmlns:a="http://schemas.openxmlformats.org/drawingml/2006/main" xmlns:p="http://schemas.openxmlformats.org/presentationml/2006/main" xmlns:r="http://schemas.openxmlformats.org/officeDocument/2006/relationships">
+  <p:cSld>
+    <p:spTree>
+      <p:nvGrpSpPr>
+        <p:cNvPr id="1" name=""/>
+        <p:cNvGrpSpPr/>
+        <p:nvPr/>
+      </p:nvGrpSpPr>
+      <p:grpSpPr/>
+      <p:sp>
+        <p:nvSpPr>
+          <p:cNvPr id="2" name="Rectangle 1"/>
+          <p:cNvSpPr/>
+          <p:nvPr/>
+        </p:nvSpPr>
+        <p:spPr>
+          <a:xfrm>
+            <a:off x="0" y="457200"/>
+            <a:ext cx="9144000" cy="457200"/>
+          </a:xfrm>
+          <a:prstGeom prst="rect">
+            <a:avLst/>
+          </a:prstGeom>
+          <a:solidFill>
+            <a:srgbClr val="FF0000"/>
+          </a:solidFill>
+          <a:ln>
+            <a:solidFill>
+              <a:srgbClr val="FF0000"/>
+            </a:solidFill>
+          </a:ln>
+          <a:effectLst/>
+        </p:spPr>
+        <p:style>
+          <a:lnRef idx="1">
+            <a:schemeClr val="accent1"/>
+          </a:lnRef>
+          <a:fillRef idx="3">
+            <a:schemeClr val="accent1"/>
+          </a:fillRef>
+          <a:effectRef idx="2">
+            <a:schemeClr val="accent1"/>
+          </a:effectRef>
+          <a:fontRef idx="minor">
+            <a:schemeClr val="lt1"/>
+          </a:fontRef>
+        </p:style>
+        <p:txBody>
+          <a:bodyPr rtlCol="0" anchor="ctr"/>
+          <a:lstStyle/>
+          <a:p>
+            <a:pPr algn="ctr"/>
+            <a:r>
+              <a:rPr sz="2400" b="1">
+                <a:latin typeface="Calibri"/>
+              </a:rPr>
+              <a:t>11th Std - Questions</a:t>
+            </a:r>
+          </a:p>
+        </p:txBody>
+      </p:sp>
+      <p:sp>
+        <p:nvSpPr>
+          <p:cNvPr id="3" name="TextBox 2"/>
+          <p:cNvSpPr txBox="1"/>
+          <p:nvPr/>
+        </p:nvSpPr>
+        <p:spPr>
+          <a:xfrm>
+            <a:off x="457200" y="1371600"/>
+            <a:ext cx="7315200" cy="3657600"/>
+          </a:xfrm>
+          <a:prstGeom prst="rect">
+            <a:avLst/>
+          </a:prstGeom>
+          <a:noFill/>
+        </p:spPr>
+        <p:txBody>
+          <a:bodyPr wrap="square">
+            <a:spAutoFit/>
+          </a:bodyPr>
+          <a:lstStyle/>
+          <a:p>
+            <a:r>
+              <a:t>Q - 11  கோல்கை உடலங்கள் இதில் முக்கிய பங்காற்றுகின்றன?</a:t>
+            </a:r>
+          </a:p>
+          <a:p/>
+          <a:p>
+            <a:r>
+              <a:t>ஆ) புரதங்களை மொழிபெயர்த்தல்</a:t>
+            </a:r>
+          </a:p>
+        </p:txBody>
+      </p:sp>
+    </p:spTree>
+  </p:cSld>
+  <p:clrMapOvr>
+    <a:masterClrMapping/>
+  </p:clrMapOvr>
+</p:sld>
+</file>
+
+<file path=ppt/slides/slide2.xml><?xml version="1.0" encoding="utf-8"?>
+<p:sld xmlns:a="http://schemas.openxmlformats.org/drawingml/2006/main" xmlns:p="http://schemas.openxmlformats.org/presentationml/2006/main" xmlns:r="http://schemas.openxmlformats.org/officeDocument/2006/relationships">
+  <p:cSld>
+    <p:spTree>
+      <p:nvGrpSpPr>
+        <p:cNvPr id="1" name=""/>
+        <p:cNvGrpSpPr/>
+        <p:nvPr/>
+      </p:nvGrpSpPr>
+      <p:grpSpPr/>
+      <p:sp>
+        <p:nvSpPr>
+          <p:cNvPr id="2" name="Rectangle 1"/>
+          <p:cNvSpPr/>
+          <p:nvPr/>
+        </p:nvSpPr>
+        <p:spPr>
+          <a:xfrm>
+            <a:off x="0" y="457200"/>
+            <a:ext cx="9144000" cy="457200"/>
+          </a:xfrm>
+          <a:prstGeom prst="rect">
+            <a:avLst/>
+          </a:prstGeom>
+          <a:solidFill>
+            <a:srgbClr val="FF0000"/>
+          </a:solidFill>
+          <a:ln>
+            <a:solidFill>
+              <a:srgbClr val="FF0000"/>
+            </a:solidFill>
+          </a:ln>
+          <a:effectLst/>
+        </p:spPr>
+        <p:style>
+          <a:lnRef idx="1">
+            <a:schemeClr val="accent1"/>
+          </a:lnRef>
+          <a:fillRef idx="3">
+            <a:schemeClr val="accent1"/>
+          </a:fillRef>
+          <a:effectRef idx="2">
+            <a:schemeClr val="accent1"/>
+          </a:effectRef>
+          <a:fontRef idx="minor">
+            <a:schemeClr val="lt1"/>
+          </a:fontRef>
+        </p:style>
+        <p:txBody>
+          <a:bodyPr rtlCol="0" anchor="ctr"/>
+          <a:lstStyle/>
+          <a:p>
+            <a:pPr algn="ctr"/>
+            <a:r>
+              <a:rPr sz="2400" b="1">
+                <a:latin typeface="Calibri"/>
+              </a:rPr>
+              <a:t>11th Std - Questions</a:t>
+            </a:r>
+          </a:p>
+        </p:txBody>
+      </p:sp>
+      <p:sp>
+        <p:nvSpPr>
+          <p:cNvPr id="3" name="TextBox 2"/>
+          <p:cNvSpPr txBox="1"/>
+          <p:nvPr/>
+        </p:nvSpPr>
+        <p:spPr>
+          <a:xfrm>
+            <a:off x="457200" y="1371600"/>
+            <a:ext cx="7315200" cy="3657600"/>
+          </a:xfrm>
+          <a:prstGeom prst="rect">
+            <a:avLst/>
+          </a:prstGeom>
+          <a:noFill/>
+        </p:spPr>
+        <p:txBody>
+          <a:bodyPr wrap="square">
+            <a:spAutoFit/>
+          </a:bodyPr>
+          <a:lstStyle/>
+          <a:p>
+            <a:r>
+              <a:t>Q - 7  குவான்டோசோம் இவற்றில் காணப்படுகிறது?</a:t>
+            </a:r>
+          </a:p>
+          <a:p/>
+          <a:p>
+            <a:r>
+              <a:t>ஆ) பசுங்கணிகம்</a:t>
+            </a:r>
+          </a:p>
+        </p:txBody>
+      </p:sp>
+    </p:spTree>
+  </p:cSld>
+  <p:clrMapOvr>
+    <a:masterClrMapping/>
+  </p:clrMapOvr>
+</p:sld>
+</file>
+
+<file path=ppt/slides/slide3.xml><?xml version="1.0" encoding="utf-8"?>
+<p:sld xmlns:a="http://schemas.openxmlformats.org/drawingml/2006/main" xmlns:p="http://schemas.openxmlformats.org/presentationml/2006/main" xmlns:r="http://schemas.openxmlformats.org/officeDocument/2006/relationships">
+  <p:cSld>
+    <p:spTree>
+      <p:nvGrpSpPr>
+        <p:cNvPr id="1" name=""/>
+        <p:cNvGrpSpPr/>
+        <p:nvPr/>
+      </p:nvGrpSpPr>
+      <p:grpSpPr/>
+      <p:sp>
+        <p:nvSpPr>
+          <p:cNvPr id="2" name="Rectangle 1"/>
+          <p:cNvSpPr/>
+          <p:nvPr/>
+        </p:nvSpPr>
+        <p:spPr>
+          <a:xfrm>
+            <a:off x="0" y="457200"/>
+            <a:ext cx="9144000" cy="457200"/>
+          </a:xfrm>
+          <a:prstGeom prst="rect">
+            <a:avLst/>
+          </a:prstGeom>
+          <a:solidFill>
+            <a:srgbClr val="FF0000"/>
+          </a:solidFill>
+          <a:ln>
+            <a:solidFill>
+              <a:srgbClr val="FF0000"/>
+            </a:solidFill>
+          </a:ln>
+          <a:effectLst/>
+        </p:spPr>
+        <p:style>
+          <a:lnRef idx="1">
+            <a:schemeClr val="accent1"/>
+          </a:lnRef>
+          <a:fillRef idx="3">
+            <a:schemeClr val="accent1"/>
+          </a:fillRef>
+          <a:effectRef idx="2">
+            <a:schemeClr val="accent1"/>
+          </a:effectRef>
+          <a:fontRef idx="minor">
+            <a:schemeClr val="lt1"/>
+          </a:fontRef>
+        </p:style>
+        <p:txBody>
+          <a:bodyPr rtlCol="0" anchor="ctr"/>
+          <a:lstStyle/>
+          <a:p>
+            <a:pPr algn="ctr"/>
+            <a:r>
+              <a:rPr sz="2400" b="1">
+                <a:latin typeface="Calibri"/>
+              </a:rPr>
+              <a:t>11th Std - Questions</a:t>
+            </a:r>
+          </a:p>
+        </p:txBody>
+      </p:sp>
+      <p:sp>
+        <p:nvSpPr>
+          <p:cNvPr id="3" name="TextBox 2"/>
+          <p:cNvSpPr txBox="1"/>
+          <p:nvPr/>
+        </p:nvSpPr>
+        <p:spPr>
+          <a:xfrm>
+            <a:off x="457200" y="1371600"/>
+            <a:ext cx="7315200" cy="3657600"/>
+          </a:xfrm>
+          <a:prstGeom prst="rect">
+            <a:avLst/>
+          </a:prstGeom>
+          <a:noFill/>
+        </p:spPr>
+        <p:txBody>
+          <a:bodyPr wrap="square">
+            <a:spAutoFit/>
+          </a:bodyPr>
+          <a:lstStyle/>
+          <a:p>
+            <a:r>
+              <a:t>Q - 8  சைட்டோகுரோம் ஆக்ஸிடேஸ் என்ற நொதி மைட்டோகாண்டிரியாவில் காணப்படும் இடம்?</a:t>
+            </a:r>
+          </a:p>
+          <a:p/>
+          <a:p>
+            <a:r>
+              <a:t>அ) மைட்டோகாண்டிரியாவின் வெளிச்சவ்வு</a:t>
+            </a:r>
+          </a:p>
+          <a:p>
+            <a:r>
+              <a:t>ஆ) மைட்டோகாண்டிரியாவின் உட்சவ்வு </a:t>
+            </a:r>
+          </a:p>
+          <a:p>
+            <a:r>
+              <a:t>இ) ஸ்ட்ரோமா </a:t>
+            </a:r>
+          </a:p>
+          <a:p>
+            <a:r>
+              <a:t>ஈ) கிரானம் </a:t>
+            </a:r>
+          </a:p>
+        </p:txBody>
+      </p:sp>
+    </p:spTree>
+  </p:cSld>
+  <p:clrMapOvr>
+    <a:masterClrMapping/>
+  </p:clrMapOvr>
+</p:sld>
+</file>
+
+<file path=ppt/slides/slide4.xml><?xml version="1.0" encoding="utf-8"?>
+<p:sld xmlns:a="http://schemas.openxmlformats.org/drawingml/2006/main" xmlns:p="http://schemas.openxmlformats.org/presentationml/2006/main" xmlns:r="http://schemas.openxmlformats.org/officeDocument/2006/relationships">
+  <p:cSld>
+    <p:spTree>
+      <p:nvGrpSpPr>
+        <p:cNvPr id="1" name=""/>
+        <p:cNvGrpSpPr/>
+        <p:nvPr/>
+      </p:nvGrpSpPr>
+      <p:grpSpPr/>
+      <p:sp>
+        <p:nvSpPr>
+          <p:cNvPr id="2" name="Rectangle 1"/>
+          <p:cNvSpPr/>
+          <p:nvPr/>
+        </p:nvSpPr>
+        <p:spPr>
+          <a:xfrm>
+            <a:off x="0" y="457200"/>
+            <a:ext cx="9144000" cy="457200"/>
+          </a:xfrm>
+          <a:prstGeom prst="rect">
+            <a:avLst/>
+          </a:prstGeom>
+          <a:solidFill>
+            <a:srgbClr val="FF0000"/>
+          </a:solidFill>
+          <a:ln>
+            <a:solidFill>
+              <a:srgbClr val="FF0000"/>
+            </a:solidFill>
+          </a:ln>
+          <a:effectLst/>
+        </p:spPr>
+        <p:style>
+          <a:lnRef idx="1">
+            <a:schemeClr val="accent1"/>
+          </a:lnRef>
+          <a:fillRef idx="3">
+            <a:schemeClr val="accent1"/>
+          </a:fillRef>
+          <a:effectRef idx="2">
+            <a:schemeClr val="accent1"/>
+          </a:effectRef>
+          <a:fontRef idx="minor">
+            <a:schemeClr val="lt1"/>
+          </a:fontRef>
+        </p:style>
+        <p:txBody>
+          <a:bodyPr rtlCol="0" anchor="ctr"/>
+          <a:lstStyle/>
+          <a:p>
+            <a:pPr algn="ctr"/>
+            <a:r>
+              <a:rPr sz="2400" b="1">
+                <a:latin typeface="Calibri"/>
+              </a:rPr>
+              <a:t>11th Std - Questions</a:t>
+            </a:r>
+          </a:p>
+        </p:txBody>
+      </p:sp>
+      <p:sp>
+        <p:nvSpPr>
+          <p:cNvPr id="3" name="TextBox 2"/>
+          <p:cNvSpPr txBox="1"/>
+          <p:nvPr/>
+        </p:nvSpPr>
+        <p:spPr>
+          <a:xfrm>
+            <a:off x="457200" y="1371600"/>
+            <a:ext cx="7315200" cy="3657600"/>
+          </a:xfrm>
+          <a:prstGeom prst="rect">
+            <a:avLst/>
+          </a:prstGeom>
+          <a:noFill/>
+        </p:spPr>
+        <p:txBody>
+          <a:bodyPr wrap="square">
+            <a:spAutoFit/>
+          </a:bodyPr>
+          <a:lstStyle/>
+          <a:p>
+            <a:r>
+              <a:t>Q - 8  சைட்டோகுரோம் ஆக்ஸிடேஸ் என்ற நொதி மைட்டோகாண்டிரியாவில் காணப்படும் இடம்?</a:t>
+            </a:r>
+          </a:p>
+          <a:p/>
+          <a:p>
+            <a:r>
+              <a:t>ஆ) மைட்டோகாண்டிரியாவின் உட்சவ்வு </a:t>
+            </a:r>
+          </a:p>
+        </p:txBody>
+      </p:sp>
+    </p:spTree>
+  </p:cSld>
+  <p:clrMapOvr>
+    <a:masterClrMapping/>
+  </p:clrMapOvr>
+</p:sld>
+</file>
+
+<file path=ppt/slides/slide5.xml><?xml version="1.0" encoding="utf-8"?>
+<p:sld xmlns:a="http://schemas.openxmlformats.org/drawingml/2006/main" xmlns:p="http://schemas.openxmlformats.org/presentationml/2006/main" xmlns:r="http://schemas.openxmlformats.org/officeDocument/2006/relationships">
+  <p:cSld>
+    <p:spTree>
+      <p:nvGrpSpPr>
+        <p:cNvPr id="1" name=""/>
+        <p:cNvGrpSpPr/>
+        <p:nvPr/>
+      </p:nvGrpSpPr>
+      <p:grpSpPr/>
+      <p:sp>
+        <p:nvSpPr>
+          <p:cNvPr id="2" name="Rectangle 1"/>
+          <p:cNvSpPr/>
+          <p:nvPr/>
+        </p:nvSpPr>
+        <p:spPr>
+          <a:xfrm>
+            <a:off x="0" y="457200"/>
+            <a:ext cx="9144000" cy="457200"/>
+          </a:xfrm>
+          <a:prstGeom prst="rect">
+            <a:avLst/>
+          </a:prstGeom>
+          <a:solidFill>
+            <a:srgbClr val="FF0000"/>
+          </a:solidFill>
+          <a:ln>
+            <a:solidFill>
+              <a:srgbClr val="FF0000"/>
+            </a:solidFill>
+          </a:ln>
+          <a:effectLst/>
+        </p:spPr>
+        <p:style>
+          <a:lnRef idx="1">
+            <a:schemeClr val="accent1"/>
+          </a:lnRef>
+          <a:fillRef idx="3">
+            <a:schemeClr val="accent1"/>
+          </a:fillRef>
+          <a:effectRef idx="2">
+            <a:schemeClr val="accent1"/>
+          </a:effectRef>
+          <a:fontRef idx="minor">
+            <a:schemeClr val="lt1"/>
+          </a:fontRef>
+        </p:style>
+        <p:txBody>
+          <a:bodyPr rtlCol="0" anchor="ctr"/>
+          <a:lstStyle/>
+          <a:p>
+            <a:pPr algn="ctr"/>
+            <a:r>
+              <a:rPr sz="2400" b="1">
+                <a:latin typeface="Calibri"/>
+              </a:rPr>
+              <a:t>11th Std - Questions</a:t>
+            </a:r>
+          </a:p>
+        </p:txBody>
+      </p:sp>
+      <p:sp>
+        <p:nvSpPr>
+          <p:cNvPr id="3" name="TextBox 2"/>
+          <p:cNvSpPr txBox="1"/>
+          <p:nvPr/>
+        </p:nvSpPr>
+        <p:spPr>
+          <a:xfrm>
+            <a:off x="457200" y="1371600"/>
+            <a:ext cx="7315200" cy="3657600"/>
+          </a:xfrm>
+          <a:prstGeom prst="rect">
+            <a:avLst/>
+          </a:prstGeom>
+          <a:noFill/>
+        </p:spPr>
+        <p:txBody>
+          <a:bodyPr wrap="square">
+            <a:spAutoFit/>
+          </a:bodyPr>
+          <a:lstStyle/>
+          <a:p>
+            <a:r>
+              <a:t>Q - 9  சுரக்கும் செல்கள் அதிகளவில் காணக்கூடிய செல் நுண்ணுறுப்பு எது?</a:t>
+            </a:r>
+          </a:p>
+          <a:p/>
+          <a:p>
+            <a:r>
+              <a:t>அ) மைட்டோகாண்ட்ரியா</a:t>
+            </a:r>
+          </a:p>
+          <a:p>
+            <a:r>
+              <a:t>ஆ) பசுங்கணிகம்</a:t>
+            </a:r>
+          </a:p>
+          <a:p>
+            <a:r>
+              <a:t>இ) உட்கரு</a:t>
+            </a:r>
+          </a:p>
+          <a:p>
+            <a:r>
+              <a:t>ஈ) டிக்டியோசோம்கள் </a:t>
+            </a:r>
+          </a:p>
+        </p:txBody>
+      </p:sp>
+    </p:spTree>
+  </p:cSld>
+  <p:clrMapOvr>
+    <a:masterClrMapping/>
+  </p:clrMapOvr>
+</p:sld>
+</file>
+
+<file path=ppt/slides/slide6.xml><?xml version="1.0" encoding="utf-8"?>
+<p:sld xmlns:a="http://schemas.openxmlformats.org/drawingml/2006/main" xmlns:p="http://schemas.openxmlformats.org/presentationml/2006/main" xmlns:r="http://schemas.openxmlformats.org/officeDocument/2006/relationships">
+  <p:cSld>
+    <p:spTree>
+      <p:nvGrpSpPr>
+        <p:cNvPr id="1" name=""/>
+        <p:cNvGrpSpPr/>
+        <p:nvPr/>
+      </p:nvGrpSpPr>
+      <p:grpSpPr/>
+      <p:sp>
+        <p:nvSpPr>
+          <p:cNvPr id="2" name="Rectangle 1"/>
+          <p:cNvSpPr/>
+          <p:nvPr/>
+        </p:nvSpPr>
+        <p:spPr>
+          <a:xfrm>
+            <a:off x="0" y="457200"/>
+            <a:ext cx="9144000" cy="457200"/>
+          </a:xfrm>
+          <a:prstGeom prst="rect">
+            <a:avLst/>
+          </a:prstGeom>
+          <a:solidFill>
+            <a:srgbClr val="FF0000"/>
+          </a:solidFill>
+          <a:ln>
+            <a:solidFill>
+              <a:srgbClr val="FF0000"/>
+            </a:solidFill>
+          </a:ln>
+          <a:effectLst/>
+        </p:spPr>
+        <p:style>
+          <a:lnRef idx="1">
+            <a:schemeClr val="accent1"/>
+          </a:lnRef>
+          <a:fillRef idx="3">
+            <a:schemeClr val="accent1"/>
+          </a:fillRef>
+          <a:effectRef idx="2">
+            <a:schemeClr val="accent1"/>
+          </a:effectRef>
+          <a:fontRef idx="minor">
+            <a:schemeClr val="lt1"/>
+          </a:fontRef>
+        </p:style>
+        <p:txBody>
+          <a:bodyPr rtlCol="0" anchor="ctr"/>
+          <a:lstStyle/>
+          <a:p>
+            <a:pPr algn="ctr"/>
+            <a:r>
+              <a:rPr sz="2400" b="1">
+                <a:latin typeface="Calibri"/>
+              </a:rPr>
+              <a:t>11th Std - Questions</a:t>
+            </a:r>
+          </a:p>
+        </p:txBody>
+      </p:sp>
+      <p:sp>
+        <p:nvSpPr>
+          <p:cNvPr id="3" name="TextBox 2"/>
+          <p:cNvSpPr txBox="1"/>
+          <p:nvPr/>
+        </p:nvSpPr>
+        <p:spPr>
+          <a:xfrm>
+            <a:off x="457200" y="1371600"/>
+            <a:ext cx="7315200" cy="3657600"/>
+          </a:xfrm>
+          <a:prstGeom prst="rect">
+            <a:avLst/>
+          </a:prstGeom>
+          <a:noFill/>
+        </p:spPr>
+        <p:txBody>
+          <a:bodyPr wrap="square">
+            <a:spAutoFit/>
+          </a:bodyPr>
+          <a:lstStyle/>
+          <a:p>
+            <a:r>
+              <a:t>Q - 9  சுரக்கும் செல்கள் அதிகளவில் காணக்கூடிய செல் நுண்ணுறுப்பு எது?</a:t>
+            </a:r>
+          </a:p>
+          <a:p/>
+          <a:p>
+            <a:r>
+              <a:t>ஈ) டிக்டியோசோம்கள் </a:t>
+            </a:r>
+          </a:p>
+        </p:txBody>
+      </p:sp>
+    </p:spTree>
+  </p:cSld>
+  <p:clrMapOvr>
+    <a:masterClrMapping/>
+  </p:clrMapOvr>
+</p:sld>
+</file>
+
+<file path=ppt/slides/slide7.xml><?xml version="1.0" encoding="utf-8"?>
+<p:sld xmlns:a="http://schemas.openxmlformats.org/drawingml/2006/main" xmlns:p="http://schemas.openxmlformats.org/presentationml/2006/main" xmlns:r="http://schemas.openxmlformats.org/officeDocument/2006/relationships">
+  <p:cSld>
+    <p:spTree>
+      <p:nvGrpSpPr>
+        <p:cNvPr id="1" name=""/>
+        <p:cNvGrpSpPr/>
+        <p:nvPr/>
+      </p:nvGrpSpPr>
+      <p:grpSpPr/>
+      <p:sp>
+        <p:nvSpPr>
+          <p:cNvPr id="2" name="Rectangle 1"/>
+          <p:cNvSpPr/>
+          <p:nvPr/>
+        </p:nvSpPr>
+        <p:spPr>
+          <a:xfrm>
+            <a:off x="0" y="457200"/>
+            <a:ext cx="9144000" cy="457200"/>
+          </a:xfrm>
+          <a:prstGeom prst="rect">
+            <a:avLst/>
+          </a:prstGeom>
+          <a:solidFill>
+            <a:srgbClr val="FF0000"/>
+          </a:solidFill>
+          <a:ln>
+            <a:solidFill>
+              <a:srgbClr val="FF0000"/>
+            </a:solidFill>
+          </a:ln>
+          <a:effectLst/>
+        </p:spPr>
+        <p:style>
+          <a:lnRef idx="1">
+            <a:schemeClr val="accent1"/>
+          </a:lnRef>
+          <a:fillRef idx="3">
+            <a:schemeClr val="accent1"/>
+          </a:fillRef>
+          <a:effectRef idx="2">
+            <a:schemeClr val="accent1"/>
+          </a:effectRef>
+          <a:fontRef idx="minor">
+            <a:schemeClr val="lt1"/>
+          </a:fontRef>
+        </p:style>
+        <p:txBody>
+          <a:bodyPr rtlCol="0" anchor="ctr"/>
+          <a:lstStyle/>
+          <a:p>
+            <a:pPr algn="ctr"/>
+            <a:r>
+              <a:rPr sz="2400" b="1">
+                <a:latin typeface="Calibri"/>
+              </a:rPr>
+              <a:t>11th Std - Questions</a:t>
+            </a:r>
+          </a:p>
+        </p:txBody>
+      </p:sp>
+      <p:sp>
+        <p:nvSpPr>
+          <p:cNvPr id="3" name="TextBox 2"/>
+          <p:cNvSpPr txBox="1"/>
+          <p:nvPr/>
+        </p:nvSpPr>
+        <p:spPr>
+          <a:xfrm>
+            <a:off x="457200" y="1371600"/>
+            <a:ext cx="7315200" cy="3657600"/>
+          </a:xfrm>
+          <a:prstGeom prst="rect">
+            <a:avLst/>
+          </a:prstGeom>
+          <a:noFill/>
+        </p:spPr>
+        <p:txBody>
+          <a:bodyPr wrap="square">
+            <a:spAutoFit/>
+          </a:bodyPr>
+          <a:lstStyle/>
+          <a:p>
+            <a:r>
+              <a:t>Q - 10  லிப்பிடுகள் அதிகளவில் உற்பத்தியாகும் இடம்?</a:t>
+            </a:r>
+          </a:p>
+          <a:p/>
+          <a:p>
+            <a:r>
+              <a:t>அ) சொரசொரப்பான எண்டோபிளாச வலை </a:t>
+            </a:r>
+          </a:p>
+          <a:p>
+            <a:r>
+              <a:t>ஆ) வழவழப்பான  எண்டோபிளாச வலை </a:t>
+            </a:r>
+          </a:p>
+          <a:p>
+            <a:r>
+              <a:t>இ) சென்ட்ரியோல்</a:t>
+            </a:r>
+          </a:p>
+          <a:p>
+            <a:r>
+              <a:t>ஈ) லைசோசோம்</a:t>
+            </a:r>
+          </a:p>
+        </p:txBody>
+      </p:sp>
+    </p:spTree>
+  </p:cSld>
+  <p:clrMapOvr>
+    <a:masterClrMapping/>
+  </p:clrMapOvr>
+</p:sld>
+</file>
+
+<file path=ppt/slides/slide8.xml><?xml version="1.0" encoding="utf-8"?>
+<p:sld xmlns:a="http://schemas.openxmlformats.org/drawingml/2006/main" xmlns:p="http://schemas.openxmlformats.org/presentationml/2006/main" xmlns:r="http://schemas.openxmlformats.org/officeDocument/2006/relationships">
+  <p:cSld>
+    <p:spTree>
+      <p:nvGrpSpPr>
+        <p:cNvPr id="1" name=""/>
+        <p:cNvGrpSpPr/>
+        <p:nvPr/>
+      </p:nvGrpSpPr>
+      <p:grpSpPr/>
+      <p:sp>
+        <p:nvSpPr>
+          <p:cNvPr id="2" name="Rectangle 1"/>
+          <p:cNvSpPr/>
+          <p:nvPr/>
+        </p:nvSpPr>
+        <p:spPr>
+          <a:xfrm>
+            <a:off x="0" y="457200"/>
+            <a:ext cx="9144000" cy="457200"/>
+          </a:xfrm>
+          <a:prstGeom prst="rect">
+            <a:avLst/>
+          </a:prstGeom>
+          <a:solidFill>
+            <a:srgbClr val="FF0000"/>
+          </a:solidFill>
+          <a:ln>
+            <a:solidFill>
+              <a:srgbClr val="FF0000"/>
+            </a:solidFill>
+          </a:ln>
+          <a:effectLst/>
+        </p:spPr>
+        <p:style>
+          <a:lnRef idx="1">
+            <a:schemeClr val="accent1"/>
+          </a:lnRef>
+          <a:fillRef idx="3">
+            <a:schemeClr val="accent1"/>
+          </a:fillRef>
+          <a:effectRef idx="2">
+            <a:schemeClr val="accent1"/>
+          </a:effectRef>
+          <a:fontRef idx="minor">
+            <a:schemeClr val="lt1"/>
+          </a:fontRef>
+        </p:style>
+        <p:txBody>
+          <a:bodyPr rtlCol="0" anchor="ctr"/>
+          <a:lstStyle/>
+          <a:p>
+            <a:pPr algn="ctr"/>
+            <a:r>
+              <a:rPr sz="2400" b="1">
+                <a:latin typeface="Calibri"/>
+              </a:rPr>
+              <a:t>11th Std - Questions</a:t>
+            </a:r>
+          </a:p>
+        </p:txBody>
+      </p:sp>
+      <p:sp>
+        <p:nvSpPr>
+          <p:cNvPr id="3" name="TextBox 2"/>
+          <p:cNvSpPr txBox="1"/>
+          <p:nvPr/>
+        </p:nvSpPr>
+        <p:spPr>
+          <a:xfrm>
+            <a:off x="457200" y="1371600"/>
+            <a:ext cx="7315200" cy="3657600"/>
+          </a:xfrm>
+          <a:prstGeom prst="rect">
+            <a:avLst/>
+          </a:prstGeom>
+          <a:noFill/>
+        </p:spPr>
+        <p:txBody>
+          <a:bodyPr wrap="square">
+            <a:spAutoFit/>
+          </a:bodyPr>
+          <a:lstStyle/>
+          <a:p>
+            <a:r>
+              <a:t>Q - 10  லிப்பிடுகள் அதிகளவில் உற்பத்தியாகும் இடம்?</a:t>
+            </a:r>
+          </a:p>
+          <a:p/>
+          <a:p>
+            <a:r>
+              <a:t>ஆ) வழவழப்பான  எண்டோபிளாச வலை </a:t>
+            </a:r>
+          </a:p>
+        </p:txBody>
+      </p:sp>
+    </p:spTree>
+  </p:cSld>
+  <p:clrMapOvr>
+    <a:masterClrMapping/>
+  </p:clrMapOvr>
+</p:sld>
+</file>
+
+<file path=ppt/slides/slide9.xml><?xml version="1.0" encoding="utf-8"?>
+<p:sld xmlns:a="http://schemas.openxmlformats.org/drawingml/2006/main" xmlns:p="http://schemas.openxmlformats.org/presentationml/2006/main" xmlns:r="http://schemas.openxmlformats.org/officeDocument/2006/relationships">
+  <p:cSld>
+    <p:spTree>
+      <p:nvGrpSpPr>
+        <p:cNvPr id="1" name=""/>
+        <p:cNvGrpSpPr/>
+        <p:nvPr/>
+      </p:nvGrpSpPr>
+      <p:grpSpPr/>
+      <p:sp>
+        <p:nvSpPr>
+          <p:cNvPr id="2" name="Rectangle 1"/>
+          <p:cNvSpPr/>
+          <p:nvPr/>
+        </p:nvSpPr>
+        <p:spPr>
+          <a:xfrm>
+            <a:off x="0" y="457200"/>
+            <a:ext cx="9144000" cy="457200"/>
+          </a:xfrm>
+          <a:prstGeom prst="rect">
+            <a:avLst/>
+          </a:prstGeom>
+          <a:solidFill>
+            <a:srgbClr val="FF0000"/>
+          </a:solidFill>
+          <a:ln>
+            <a:solidFill>
+              <a:srgbClr val="FF0000"/>
+            </a:solidFill>
+          </a:ln>
+          <a:effectLst/>
+        </p:spPr>
+        <p:style>
+          <a:lnRef idx="1">
+            <a:schemeClr val="accent1"/>
+          </a:lnRef>
+          <a:fillRef idx="3">
+            <a:schemeClr val="accent1"/>
+          </a:fillRef>
+          <a:effectRef idx="2">
+            <a:schemeClr val="accent1"/>
+          </a:effectRef>
+          <a:fontRef idx="minor">
+            <a:schemeClr val="lt1"/>
+          </a:fontRef>
+        </p:style>
+        <p:txBody>
+          <a:bodyPr rtlCol="0" anchor="ctr"/>
+          <a:lstStyle/>
+          <a:p>
+            <a:pPr algn="ctr"/>
+            <a:r>
+              <a:rPr sz="2400" b="1">
+                <a:latin typeface="Calibri"/>
+              </a:rPr>
+              <a:t>11th Std - Questions</a:t>
+            </a:r>
+          </a:p>
+        </p:txBody>
+      </p:sp>
+      <p:sp>
+        <p:nvSpPr>
+          <p:cNvPr id="3" name="TextBox 2"/>
+          <p:cNvSpPr txBox="1"/>
+          <p:nvPr/>
+        </p:nvSpPr>
+        <p:spPr>
+          <a:xfrm>
+            <a:off x="457200" y="1371600"/>
+            <a:ext cx="7315200" cy="3657600"/>
+          </a:xfrm>
+          <a:prstGeom prst="rect">
+            <a:avLst/>
+          </a:prstGeom>
+          <a:noFill/>
+        </p:spPr>
+        <p:txBody>
+          <a:bodyPr wrap="square">
+            <a:spAutoFit/>
+          </a:bodyPr>
+          <a:lstStyle/>
+          <a:p>
+            <a:r>
+              <a:t>Q - 11  கோல்கை உடலங்கள் இதில் முக்கிய பங்காற்றுகின்றன?</a:t>
+            </a:r>
+          </a:p>
+          <a:p/>
+          <a:p>
+            <a:r>
+              <a:t>அ) புரதங்கள் மொழியாக்கத்திற்குப் பின்பு மாறுபாடு அடைதல் மற்றும் லிப்பிடுகளின் கிளைகோசிடேசன் </a:t>
+            </a:r>
+          </a:p>
+          <a:p>
+            <a:r>
+              <a:t>ஆ) புரதங்களை மொழிபெயர்த்தல்</a:t>
+            </a:r>
+          </a:p>
+          <a:p>
+            <a:r>
+              <a:t>இ) புரதங்களை படியெடுத்தல்</a:t>
+            </a:r>
+          </a:p>
+          <a:p>
+            <a:r>
+              <a:t>ஈ) லிப்பிடு உற்பத்தி </a:t>
             </a:r>
           </a:p>
         </p:txBody>

--- a/tamil_biology/NEET_BIOLOGY_001.pptx
+++ b/tamil_biology/NEET_BIOLOGY_001.pptx
@@ -3181,16 +3181,19 @@
               <a:t>அ) மைட்டோகாண்ட்ரியா</a:t>
             </a:r>
           </a:p>
+          <a:p/>
           <a:p>
             <a:r>
               <a:t>ஆ) பசுங்கணிகம்</a:t>
             </a:r>
           </a:p>
+          <a:p/>
           <a:p>
             <a:r>
               <a:t>இ) கோல்கை உடலங்கள்</a:t>
             </a:r>
           </a:p>
+          <a:p/>
           <a:p>
             <a:r>
               <a:t>ஈ) எண்டோபிளாச வலை</a:t>
@@ -3296,6 +3299,14 @@
           </a:p>
           <a:p/>
           <a:p>
+            <a:pPr>
+              <a:defRPr sz="2400" b="1">
+                <a:solidFill>
+                  <a:srgbClr val="00FF00"/>
+                </a:solidFill>
+                <a:latin typeface="Calibri"/>
+              </a:defRPr>
+            </a:pPr>
             <a:r>
               <a:t>ஆ) புரதங்களை மொழிபெயர்த்தல்</a:t>
             </a:r>
@@ -3400,6 +3411,14 @@
           </a:p>
           <a:p/>
           <a:p>
+            <a:pPr>
+              <a:defRPr sz="2400" b="1">
+                <a:solidFill>
+                  <a:srgbClr val="00FF00"/>
+                </a:solidFill>
+                <a:latin typeface="Calibri"/>
+              </a:defRPr>
+            </a:pPr>
             <a:r>
               <a:t>ஆ) பசுங்கணிகம்</a:t>
             </a:r>
@@ -3508,16 +3527,19 @@
               <a:t>அ) மைட்டோகாண்டிரியாவின் வெளிச்சவ்வு</a:t>
             </a:r>
           </a:p>
+          <a:p/>
           <a:p>
             <a:r>
               <a:t>ஆ) மைட்டோகாண்டிரியாவின் உட்சவ்வு </a:t>
             </a:r>
           </a:p>
+          <a:p/>
           <a:p>
             <a:r>
               <a:t>இ) ஸ்ட்ரோமா </a:t>
             </a:r>
           </a:p>
+          <a:p/>
           <a:p>
             <a:r>
               <a:t>ஈ) கிரானம் </a:t>
@@ -3623,6 +3645,14 @@
           </a:p>
           <a:p/>
           <a:p>
+            <a:pPr>
+              <a:defRPr sz="2400" b="1">
+                <a:solidFill>
+                  <a:srgbClr val="00FF00"/>
+                </a:solidFill>
+                <a:latin typeface="Calibri"/>
+              </a:defRPr>
+            </a:pPr>
             <a:r>
               <a:t>ஆ) மைட்டோகாண்டிரியாவின் உட்சவ்வு </a:t>
             </a:r>
@@ -3731,16 +3761,19 @@
               <a:t>அ) மைட்டோகாண்ட்ரியா</a:t>
             </a:r>
           </a:p>
+          <a:p/>
           <a:p>
             <a:r>
               <a:t>ஆ) பசுங்கணிகம்</a:t>
             </a:r>
           </a:p>
+          <a:p/>
           <a:p>
             <a:r>
               <a:t>இ) உட்கரு</a:t>
             </a:r>
           </a:p>
+          <a:p/>
           <a:p>
             <a:r>
               <a:t>ஈ) டிக்டியோசோம்கள் </a:t>
@@ -3846,6 +3879,14 @@
           </a:p>
           <a:p/>
           <a:p>
+            <a:pPr>
+              <a:defRPr sz="2400" b="1">
+                <a:solidFill>
+                  <a:srgbClr val="00FF00"/>
+                </a:solidFill>
+                <a:latin typeface="Calibri"/>
+              </a:defRPr>
+            </a:pPr>
             <a:r>
               <a:t>ஈ) டிக்டியோசோம்கள் </a:t>
             </a:r>
@@ -3954,16 +3995,19 @@
               <a:t>அ) சொரசொரப்பான எண்டோபிளாச வலை </a:t>
             </a:r>
           </a:p>
+          <a:p/>
           <a:p>
             <a:r>
               <a:t>ஆ) வழவழப்பான  எண்டோபிளாச வலை </a:t>
             </a:r>
           </a:p>
+          <a:p/>
           <a:p>
             <a:r>
               <a:t>இ) சென்ட்ரியோல்</a:t>
             </a:r>
           </a:p>
+          <a:p/>
           <a:p>
             <a:r>
               <a:t>ஈ) லைசோசோம்</a:t>
@@ -4069,6 +4113,14 @@
           </a:p>
           <a:p/>
           <a:p>
+            <a:pPr>
+              <a:defRPr sz="2400" b="1">
+                <a:solidFill>
+                  <a:srgbClr val="00FF00"/>
+                </a:solidFill>
+                <a:latin typeface="Calibri"/>
+              </a:defRPr>
+            </a:pPr>
             <a:r>
               <a:t>ஆ) வழவழப்பான  எண்டோபிளாச வலை </a:t>
             </a:r>
@@ -4177,16 +4229,19 @@
               <a:t>அ) புரதங்கள் மொழியாக்கத்திற்குப் பின்பு மாறுபாடு அடைதல் மற்றும் லிப்பிடுகளின் கிளைகோசிடேசன் </a:t>
             </a:r>
           </a:p>
+          <a:p/>
           <a:p>
             <a:r>
               <a:t>ஆ) புரதங்களை மொழிபெயர்த்தல்</a:t>
             </a:r>
           </a:p>
+          <a:p/>
           <a:p>
             <a:r>
               <a:t>இ) புரதங்களை படியெடுத்தல்</a:t>
             </a:r>
           </a:p>
+          <a:p/>
           <a:p>
             <a:r>
               <a:t>ஈ) லிப்பிடு உற்பத்தி </a:t>

--- a/tamil_biology/NEET_BIOLOGY_001.pptx
+++ b/tamil_biology/NEET_BIOLOGY_001.pptx
@@ -5,16 +5,34 @@
     <p:sldMasterId id="2147483648" r:id="rId1"/>
   </p:sldMasterIdLst>
   <p:sldIdLst>
-    <p:sldId id="256" r:id="rId7"/>
-    <p:sldId id="257" r:id="rId8"/>
-    <p:sldId id="258" r:id="rId9"/>
-    <p:sldId id="259" r:id="rId10"/>
-    <p:sldId id="260" r:id="rId11"/>
-    <p:sldId id="261" r:id="rId12"/>
-    <p:sldId id="262" r:id="rId13"/>
-    <p:sldId id="263" r:id="rId14"/>
-    <p:sldId id="264" r:id="rId15"/>
-    <p:sldId id="265" r:id="rId16"/>
+    <p:sldId id="256" r:id="rId2"/>
+    <p:sldId id="257" r:id="rId3"/>
+    <p:sldId id="258" r:id="rId4"/>
+    <p:sldId id="259" r:id="rId5"/>
+    <p:sldId id="260" r:id="rId6"/>
+    <p:sldId id="261" r:id="rId7"/>
+    <p:sldId id="262" r:id="rId8"/>
+    <p:sldId id="263" r:id="rId9"/>
+    <p:sldId id="264" r:id="rId10"/>
+    <p:sldId id="265" r:id="rId11"/>
+    <p:sldId id="266" r:id="rId12"/>
+    <p:sldId id="267" r:id="rId13"/>
+    <p:sldId id="268" r:id="rId14"/>
+    <p:sldId id="269" r:id="rId15"/>
+    <p:sldId id="270" r:id="rId16"/>
+    <p:sldId id="271" r:id="rId17"/>
+    <p:sldId id="272" r:id="rId18"/>
+    <p:sldId id="273" r:id="rId19"/>
+    <p:sldId id="274" r:id="rId20"/>
+    <p:sldId id="275" r:id="rId21"/>
+    <p:sldId id="276" r:id="rId22"/>
+    <p:sldId id="277" r:id="rId23"/>
+    <p:sldId id="278" r:id="rId24"/>
+    <p:sldId id="279" r:id="rId25"/>
+    <p:sldId id="280" r:id="rId26"/>
+    <p:sldId id="281" r:id="rId27"/>
+    <p:sldId id="282" r:id="rId28"/>
+    <p:sldId id="283" r:id="rId29"/>
   </p:sldIdLst>
   <p:sldSz cx="9144000" cy="6858000" type="screen4x3"/>
   <p:notesSz cx="6858000" cy="9144000"/>
@@ -113,6 +131,22 @@
       </a:defRPr>
     </a:lvl9pPr>
   </p:defaultTextStyle>
+  <p:extLst>
+    <p:ext uri="{EFAFB233-063F-42B5-8137-9DF3F51BA10A}">
+      <p15:sldGuideLst xmlns:p15="http://schemas.microsoft.com/office/powerpoint/2012/main">
+        <p15:guide id="1" orient="horz" pos="2160">
+          <p15:clr>
+            <a:srgbClr val="A4A3A4"/>
+          </p15:clr>
+        </p15:guide>
+        <p15:guide id="2" pos="2880">
+          <p15:clr>
+            <a:srgbClr val="A4A3A4"/>
+          </p15:clr>
+        </p15:guide>
+      </p15:sldGuideLst>
+    </p:ext>
+  </p:extLst>
 </p:presentation>
 </file>
 
@@ -154,10 +188,9 @@
           <a:lstStyle/>
           <a:p>
             <a:r>
-              <a:rPr lang="en-US" smtClean="0"/>
+              <a:rPr lang="en-US"/>
               <a:t>Click to edit Master title style</a:t>
             </a:r>
-            <a:endParaRPr lang="en-US"/>
           </a:p>
         </p:txBody>
       </p:sp>
@@ -273,10 +306,9 @@
           </a:lstStyle>
           <a:p>
             <a:r>
-              <a:rPr lang="en-US" smtClean="0"/>
+              <a:rPr lang="en-US"/>
               <a:t>Click to edit Master subtitle style</a:t>
             </a:r>
-            <a:endParaRPr lang="en-US"/>
           </a:p>
         </p:txBody>
       </p:sp>
@@ -297,7 +329,7 @@
           <a:p>
             <a:fld id="{5BCAD085-E8A6-8845-BD4E-CB4CCA059FC4}" type="datetimeFigureOut">
               <a:rPr lang="en-US" smtClean="0"/>
-              <a:t>1/27/13</a:t>
+              <a:t>8/21/2020</a:t>
             </a:fld>
             <a:endParaRPr lang="en-US"/>
           </a:p>
@@ -391,10 +423,9 @@
           <a:lstStyle/>
           <a:p>
             <a:r>
-              <a:rPr lang="en-US" smtClean="0"/>
+              <a:rPr lang="en-US"/>
               <a:t>Click to edit Master title style</a:t>
             </a:r>
-            <a:endParaRPr lang="en-US"/>
           </a:p>
         </p:txBody>
       </p:sp>
@@ -415,38 +446,37 @@
           <a:p>
             <a:pPr lvl="0"/>
             <a:r>
-              <a:rPr lang="en-US" smtClean="0"/>
+              <a:rPr lang="en-US"/>
               <a:t>Click to edit Master text styles</a:t>
             </a:r>
           </a:p>
           <a:p>
             <a:pPr lvl="1"/>
             <a:r>
-              <a:rPr lang="en-US" smtClean="0"/>
+              <a:rPr lang="en-US"/>
               <a:t>Second level</a:t>
             </a:r>
           </a:p>
           <a:p>
             <a:pPr lvl="2"/>
             <a:r>
-              <a:rPr lang="en-US" smtClean="0"/>
+              <a:rPr lang="en-US"/>
               <a:t>Third level</a:t>
             </a:r>
           </a:p>
           <a:p>
             <a:pPr lvl="3"/>
             <a:r>
-              <a:rPr lang="en-US" smtClean="0"/>
+              <a:rPr lang="en-US"/>
               <a:t>Fourth level</a:t>
             </a:r>
           </a:p>
           <a:p>
             <a:pPr lvl="4"/>
             <a:r>
-              <a:rPr lang="en-US" smtClean="0"/>
+              <a:rPr lang="en-US"/>
               <a:t>Fifth level</a:t>
             </a:r>
-            <a:endParaRPr lang="en-US"/>
           </a:p>
         </p:txBody>
       </p:sp>
@@ -467,7 +497,7 @@
           <a:p>
             <a:fld id="{5BCAD085-E8A6-8845-BD4E-CB4CCA059FC4}" type="datetimeFigureOut">
               <a:rPr lang="en-US" smtClean="0"/>
-              <a:t>1/27/13</a:t>
+              <a:t>8/21/2020</a:t>
             </a:fld>
             <a:endParaRPr lang="en-US"/>
           </a:p>
@@ -566,10 +596,9 @@
           <a:lstStyle/>
           <a:p>
             <a:r>
-              <a:rPr lang="en-US" smtClean="0"/>
+              <a:rPr lang="en-US"/>
               <a:t>Click to edit Master title style</a:t>
             </a:r>
-            <a:endParaRPr lang="en-US"/>
           </a:p>
         </p:txBody>
       </p:sp>
@@ -595,38 +624,37 @@
           <a:p>
             <a:pPr lvl="0"/>
             <a:r>
-              <a:rPr lang="en-US" smtClean="0"/>
+              <a:rPr lang="en-US"/>
               <a:t>Click to edit Master text styles</a:t>
             </a:r>
           </a:p>
           <a:p>
             <a:pPr lvl="1"/>
             <a:r>
-              <a:rPr lang="en-US" smtClean="0"/>
+              <a:rPr lang="en-US"/>
               <a:t>Second level</a:t>
             </a:r>
           </a:p>
           <a:p>
             <a:pPr lvl="2"/>
             <a:r>
-              <a:rPr lang="en-US" smtClean="0"/>
+              <a:rPr lang="en-US"/>
               <a:t>Third level</a:t>
             </a:r>
           </a:p>
           <a:p>
             <a:pPr lvl="3"/>
             <a:r>
-              <a:rPr lang="en-US" smtClean="0"/>
+              <a:rPr lang="en-US"/>
               <a:t>Fourth level</a:t>
             </a:r>
           </a:p>
           <a:p>
             <a:pPr lvl="4"/>
             <a:r>
-              <a:rPr lang="en-US" smtClean="0"/>
+              <a:rPr lang="en-US"/>
               <a:t>Fifth level</a:t>
             </a:r>
-            <a:endParaRPr lang="en-US"/>
           </a:p>
         </p:txBody>
       </p:sp>
@@ -647,7 +675,7 @@
           <a:p>
             <a:fld id="{5BCAD085-E8A6-8845-BD4E-CB4CCA059FC4}" type="datetimeFigureOut">
               <a:rPr lang="en-US" smtClean="0"/>
-              <a:t>1/27/13</a:t>
+              <a:t>8/21/2020</a:t>
             </a:fld>
             <a:endParaRPr lang="en-US"/>
           </a:p>
@@ -741,10 +769,9 @@
           <a:lstStyle/>
           <a:p>
             <a:r>
-              <a:rPr lang="en-US" smtClean="0"/>
+              <a:rPr lang="en-US"/>
               <a:t>Click to edit Master title style</a:t>
             </a:r>
-            <a:endParaRPr lang="en-US"/>
           </a:p>
         </p:txBody>
       </p:sp>
@@ -765,38 +792,37 @@
           <a:p>
             <a:pPr lvl="0"/>
             <a:r>
-              <a:rPr lang="en-US" smtClean="0"/>
+              <a:rPr lang="en-US"/>
               <a:t>Click to edit Master text styles</a:t>
             </a:r>
           </a:p>
           <a:p>
             <a:pPr lvl="1"/>
             <a:r>
-              <a:rPr lang="en-US" smtClean="0"/>
+              <a:rPr lang="en-US"/>
               <a:t>Second level</a:t>
             </a:r>
           </a:p>
           <a:p>
             <a:pPr lvl="2"/>
             <a:r>
-              <a:rPr lang="en-US" smtClean="0"/>
+              <a:rPr lang="en-US"/>
               <a:t>Third level</a:t>
             </a:r>
           </a:p>
           <a:p>
             <a:pPr lvl="3"/>
             <a:r>
-              <a:rPr lang="en-US" smtClean="0"/>
+              <a:rPr lang="en-US"/>
               <a:t>Fourth level</a:t>
             </a:r>
           </a:p>
           <a:p>
             <a:pPr lvl="4"/>
             <a:r>
-              <a:rPr lang="en-US" smtClean="0"/>
+              <a:rPr lang="en-US"/>
               <a:t>Fifth level</a:t>
             </a:r>
-            <a:endParaRPr lang="en-US"/>
           </a:p>
         </p:txBody>
       </p:sp>
@@ -817,7 +843,7 @@
           <a:p>
             <a:fld id="{5BCAD085-E8A6-8845-BD4E-CB4CCA059FC4}" type="datetimeFigureOut">
               <a:rPr lang="en-US" smtClean="0"/>
-              <a:t>1/27/13</a:t>
+              <a:t>8/21/2020</a:t>
             </a:fld>
             <a:endParaRPr lang="en-US"/>
           </a:p>
@@ -920,10 +946,9 @@
           </a:lstStyle>
           <a:p>
             <a:r>
-              <a:rPr lang="en-US" smtClean="0"/>
+              <a:rPr lang="en-US"/>
               <a:t>Click to edit Master title style</a:t>
             </a:r>
-            <a:endParaRPr lang="en-US"/>
           </a:p>
         </p:txBody>
       </p:sp>
@@ -1040,7 +1065,7 @@
           <a:p>
             <a:pPr lvl="0"/>
             <a:r>
-              <a:rPr lang="en-US" smtClean="0"/>
+              <a:rPr lang="en-US"/>
               <a:t>Click to edit Master text styles</a:t>
             </a:r>
           </a:p>
@@ -1063,7 +1088,7 @@
           <a:p>
             <a:fld id="{5BCAD085-E8A6-8845-BD4E-CB4CCA059FC4}" type="datetimeFigureOut">
               <a:rPr lang="en-US" smtClean="0"/>
-              <a:t>1/27/13</a:t>
+              <a:t>8/21/2020</a:t>
             </a:fld>
             <a:endParaRPr lang="en-US"/>
           </a:p>
@@ -1157,10 +1182,9 @@
           <a:lstStyle/>
           <a:p>
             <a:r>
-              <a:rPr lang="en-US" smtClean="0"/>
+              <a:rPr lang="en-US"/>
               <a:t>Click to edit Master title style</a:t>
             </a:r>
-            <a:endParaRPr lang="en-US"/>
           </a:p>
         </p:txBody>
       </p:sp>
@@ -1214,38 +1238,37 @@
           <a:p>
             <a:pPr lvl="0"/>
             <a:r>
-              <a:rPr lang="en-US" smtClean="0"/>
+              <a:rPr lang="en-US"/>
               <a:t>Click to edit Master text styles</a:t>
             </a:r>
           </a:p>
           <a:p>
             <a:pPr lvl="1"/>
             <a:r>
-              <a:rPr lang="en-US" smtClean="0"/>
+              <a:rPr lang="en-US"/>
               <a:t>Second level</a:t>
             </a:r>
           </a:p>
           <a:p>
             <a:pPr lvl="2"/>
             <a:r>
-              <a:rPr lang="en-US" smtClean="0"/>
+              <a:rPr lang="en-US"/>
               <a:t>Third level</a:t>
             </a:r>
           </a:p>
           <a:p>
             <a:pPr lvl="3"/>
             <a:r>
-              <a:rPr lang="en-US" smtClean="0"/>
+              <a:rPr lang="en-US"/>
               <a:t>Fourth level</a:t>
             </a:r>
           </a:p>
           <a:p>
             <a:pPr lvl="4"/>
             <a:r>
-              <a:rPr lang="en-US" smtClean="0"/>
+              <a:rPr lang="en-US"/>
               <a:t>Fifth level</a:t>
             </a:r>
-            <a:endParaRPr lang="en-US"/>
           </a:p>
         </p:txBody>
       </p:sp>
@@ -1299,38 +1322,37 @@
           <a:p>
             <a:pPr lvl="0"/>
             <a:r>
-              <a:rPr lang="en-US" smtClean="0"/>
+              <a:rPr lang="en-US"/>
               <a:t>Click to edit Master text styles</a:t>
             </a:r>
           </a:p>
           <a:p>
             <a:pPr lvl="1"/>
             <a:r>
-              <a:rPr lang="en-US" smtClean="0"/>
+              <a:rPr lang="en-US"/>
               <a:t>Second level</a:t>
             </a:r>
           </a:p>
           <a:p>
             <a:pPr lvl="2"/>
             <a:r>
-              <a:rPr lang="en-US" smtClean="0"/>
+              <a:rPr lang="en-US"/>
               <a:t>Third level</a:t>
             </a:r>
           </a:p>
           <a:p>
             <a:pPr lvl="3"/>
             <a:r>
-              <a:rPr lang="en-US" smtClean="0"/>
+              <a:rPr lang="en-US"/>
               <a:t>Fourth level</a:t>
             </a:r>
           </a:p>
           <a:p>
             <a:pPr lvl="4"/>
             <a:r>
-              <a:rPr lang="en-US" smtClean="0"/>
+              <a:rPr lang="en-US"/>
               <a:t>Fifth level</a:t>
             </a:r>
-            <a:endParaRPr lang="en-US"/>
           </a:p>
         </p:txBody>
       </p:sp>
@@ -1351,7 +1373,7 @@
           <a:p>
             <a:fld id="{5BCAD085-E8A6-8845-BD4E-CB4CCA059FC4}" type="datetimeFigureOut">
               <a:rPr lang="en-US" smtClean="0"/>
-              <a:t>1/27/13</a:t>
+              <a:t>8/21/2020</a:t>
             </a:fld>
             <a:endParaRPr lang="en-US"/>
           </a:p>
@@ -1449,10 +1471,9 @@
           </a:lstStyle>
           <a:p>
             <a:r>
-              <a:rPr lang="en-US" smtClean="0"/>
+              <a:rPr lang="en-US"/>
               <a:t>Click to edit Master title style</a:t>
             </a:r>
-            <a:endParaRPr lang="en-US"/>
           </a:p>
         </p:txBody>
       </p:sp>
@@ -1515,7 +1536,7 @@
           <a:p>
             <a:pPr lvl="0"/>
             <a:r>
-              <a:rPr lang="en-US" smtClean="0"/>
+              <a:rPr lang="en-US"/>
               <a:t>Click to edit Master text styles</a:t>
             </a:r>
           </a:p>
@@ -1571,38 +1592,37 @@
           <a:p>
             <a:pPr lvl="0"/>
             <a:r>
-              <a:rPr lang="en-US" smtClean="0"/>
+              <a:rPr lang="en-US"/>
               <a:t>Click to edit Master text styles</a:t>
             </a:r>
           </a:p>
           <a:p>
             <a:pPr lvl="1"/>
             <a:r>
-              <a:rPr lang="en-US" smtClean="0"/>
+              <a:rPr lang="en-US"/>
               <a:t>Second level</a:t>
             </a:r>
           </a:p>
           <a:p>
             <a:pPr lvl="2"/>
             <a:r>
-              <a:rPr lang="en-US" smtClean="0"/>
+              <a:rPr lang="en-US"/>
               <a:t>Third level</a:t>
             </a:r>
           </a:p>
           <a:p>
             <a:pPr lvl="3"/>
             <a:r>
-              <a:rPr lang="en-US" smtClean="0"/>
+              <a:rPr lang="en-US"/>
               <a:t>Fourth level</a:t>
             </a:r>
           </a:p>
           <a:p>
             <a:pPr lvl="4"/>
             <a:r>
-              <a:rPr lang="en-US" smtClean="0"/>
+              <a:rPr lang="en-US"/>
               <a:t>Fifth level</a:t>
             </a:r>
-            <a:endParaRPr lang="en-US"/>
           </a:p>
         </p:txBody>
       </p:sp>
@@ -1665,7 +1685,7 @@
           <a:p>
             <a:pPr lvl="0"/>
             <a:r>
-              <a:rPr lang="en-US" smtClean="0"/>
+              <a:rPr lang="en-US"/>
               <a:t>Click to edit Master text styles</a:t>
             </a:r>
           </a:p>
@@ -1721,38 +1741,37 @@
           <a:p>
             <a:pPr lvl="0"/>
             <a:r>
-              <a:rPr lang="en-US" smtClean="0"/>
+              <a:rPr lang="en-US"/>
               <a:t>Click to edit Master text styles</a:t>
             </a:r>
           </a:p>
           <a:p>
             <a:pPr lvl="1"/>
             <a:r>
-              <a:rPr lang="en-US" smtClean="0"/>
+              <a:rPr lang="en-US"/>
               <a:t>Second level</a:t>
             </a:r>
           </a:p>
           <a:p>
             <a:pPr lvl="2"/>
             <a:r>
-              <a:rPr lang="en-US" smtClean="0"/>
+              <a:rPr lang="en-US"/>
               <a:t>Third level</a:t>
             </a:r>
           </a:p>
           <a:p>
             <a:pPr lvl="3"/>
             <a:r>
-              <a:rPr lang="en-US" smtClean="0"/>
+              <a:rPr lang="en-US"/>
               <a:t>Fourth level</a:t>
             </a:r>
           </a:p>
           <a:p>
             <a:pPr lvl="4"/>
             <a:r>
-              <a:rPr lang="en-US" smtClean="0"/>
+              <a:rPr lang="en-US"/>
               <a:t>Fifth level</a:t>
             </a:r>
-            <a:endParaRPr lang="en-US"/>
           </a:p>
         </p:txBody>
       </p:sp>
@@ -1773,7 +1792,7 @@
           <a:p>
             <a:fld id="{5BCAD085-E8A6-8845-BD4E-CB4CCA059FC4}" type="datetimeFigureOut">
               <a:rPr lang="en-US" smtClean="0"/>
-              <a:t>1/27/13</a:t>
+              <a:t>8/21/2020</a:t>
             </a:fld>
             <a:endParaRPr lang="en-US"/>
           </a:p>
@@ -1867,10 +1886,9 @@
           <a:lstStyle/>
           <a:p>
             <a:r>
-              <a:rPr lang="en-US" smtClean="0"/>
+              <a:rPr lang="en-US"/>
               <a:t>Click to edit Master title style</a:t>
             </a:r>
-            <a:endParaRPr lang="en-US"/>
           </a:p>
         </p:txBody>
       </p:sp>
@@ -1891,7 +1909,7 @@
           <a:p>
             <a:fld id="{5BCAD085-E8A6-8845-BD4E-CB4CCA059FC4}" type="datetimeFigureOut">
               <a:rPr lang="en-US" smtClean="0"/>
-              <a:t>1/27/13</a:t>
+              <a:t>8/21/2020</a:t>
             </a:fld>
             <a:endParaRPr lang="en-US"/>
           </a:p>
@@ -1986,7 +2004,7 @@
           <a:p>
             <a:fld id="{5BCAD085-E8A6-8845-BD4E-CB4CCA059FC4}" type="datetimeFigureOut">
               <a:rPr lang="en-US" smtClean="0"/>
-              <a:t>1/27/13</a:t>
+              <a:t>8/21/2020</a:t>
             </a:fld>
             <a:endParaRPr lang="en-US"/>
           </a:p>
@@ -2089,10 +2107,9 @@
           </a:lstStyle>
           <a:p>
             <a:r>
-              <a:rPr lang="en-US" smtClean="0"/>
+              <a:rPr lang="en-US"/>
               <a:t>Click to edit Master title style</a:t>
             </a:r>
-            <a:endParaRPr lang="en-US"/>
           </a:p>
         </p:txBody>
       </p:sp>
@@ -2146,38 +2163,37 @@
           <a:p>
             <a:pPr lvl="0"/>
             <a:r>
-              <a:rPr lang="en-US" smtClean="0"/>
+              <a:rPr lang="en-US"/>
               <a:t>Click to edit Master text styles</a:t>
             </a:r>
           </a:p>
           <a:p>
             <a:pPr lvl="1"/>
             <a:r>
-              <a:rPr lang="en-US" smtClean="0"/>
+              <a:rPr lang="en-US"/>
               <a:t>Second level</a:t>
             </a:r>
           </a:p>
           <a:p>
             <a:pPr lvl="2"/>
             <a:r>
-              <a:rPr lang="en-US" smtClean="0"/>
+              <a:rPr lang="en-US"/>
               <a:t>Third level</a:t>
             </a:r>
           </a:p>
           <a:p>
             <a:pPr lvl="3"/>
             <a:r>
-              <a:rPr lang="en-US" smtClean="0"/>
+              <a:rPr lang="en-US"/>
               <a:t>Fourth level</a:t>
             </a:r>
           </a:p>
           <a:p>
             <a:pPr lvl="4"/>
             <a:r>
-              <a:rPr lang="en-US" smtClean="0"/>
+              <a:rPr lang="en-US"/>
               <a:t>Fifth level</a:t>
             </a:r>
-            <a:endParaRPr lang="en-US"/>
           </a:p>
         </p:txBody>
       </p:sp>
@@ -2240,7 +2256,7 @@
           <a:p>
             <a:pPr lvl="0"/>
             <a:r>
-              <a:rPr lang="en-US" smtClean="0"/>
+              <a:rPr lang="en-US"/>
               <a:t>Click to edit Master text styles</a:t>
             </a:r>
           </a:p>
@@ -2263,7 +2279,7 @@
           <a:p>
             <a:fld id="{5BCAD085-E8A6-8845-BD4E-CB4CCA059FC4}" type="datetimeFigureOut">
               <a:rPr lang="en-US" smtClean="0"/>
-              <a:t>1/27/13</a:t>
+              <a:t>8/21/2020</a:t>
             </a:fld>
             <a:endParaRPr lang="en-US"/>
           </a:p>
@@ -2366,10 +2382,9 @@
           </a:lstStyle>
           <a:p>
             <a:r>
-              <a:rPr lang="en-US" smtClean="0"/>
+              <a:rPr lang="en-US"/>
               <a:t>Click to edit Master title style</a:t>
             </a:r>
-            <a:endParaRPr lang="en-US"/>
           </a:p>
         </p:txBody>
       </p:sp>
@@ -2493,7 +2508,7 @@
           <a:p>
             <a:pPr lvl="0"/>
             <a:r>
-              <a:rPr lang="en-US" smtClean="0"/>
+              <a:rPr lang="en-US"/>
               <a:t>Click to edit Master text styles</a:t>
             </a:r>
           </a:p>
@@ -2516,7 +2531,7 @@
           <a:p>
             <a:fld id="{5BCAD085-E8A6-8845-BD4E-CB4CCA059FC4}" type="datetimeFigureOut">
               <a:rPr lang="en-US" smtClean="0"/>
-              <a:t>1/27/13</a:t>
+              <a:t>8/21/2020</a:t>
             </a:fld>
             <a:endParaRPr lang="en-US"/>
           </a:p>
@@ -2625,10 +2640,9 @@
           <a:lstStyle/>
           <a:p>
             <a:r>
-              <a:rPr lang="en-US" smtClean="0"/>
+              <a:rPr lang="en-US"/>
               <a:t>Click to edit Master title style</a:t>
             </a:r>
-            <a:endParaRPr lang="en-US"/>
           </a:p>
         </p:txBody>
       </p:sp>
@@ -2659,38 +2673,37 @@
           <a:p>
             <a:pPr lvl="0"/>
             <a:r>
-              <a:rPr lang="en-US" smtClean="0"/>
+              <a:rPr lang="en-US"/>
               <a:t>Click to edit Master text styles</a:t>
             </a:r>
           </a:p>
           <a:p>
             <a:pPr lvl="1"/>
             <a:r>
-              <a:rPr lang="en-US" smtClean="0"/>
+              <a:rPr lang="en-US"/>
               <a:t>Second level</a:t>
             </a:r>
           </a:p>
           <a:p>
             <a:pPr lvl="2"/>
             <a:r>
-              <a:rPr lang="en-US" smtClean="0"/>
+              <a:rPr lang="en-US"/>
               <a:t>Third level</a:t>
             </a:r>
           </a:p>
           <a:p>
             <a:pPr lvl="3"/>
             <a:r>
-              <a:rPr lang="en-US" smtClean="0"/>
+              <a:rPr lang="en-US"/>
               <a:t>Fourth level</a:t>
             </a:r>
           </a:p>
           <a:p>
             <a:pPr lvl="4"/>
             <a:r>
-              <a:rPr lang="en-US" smtClean="0"/>
+              <a:rPr lang="en-US"/>
               <a:t>Fifth level</a:t>
             </a:r>
-            <a:endParaRPr lang="en-US"/>
           </a:p>
         </p:txBody>
       </p:sp>
@@ -2729,7 +2742,7 @@
           <a:p>
             <a:fld id="{5BCAD085-E8A6-8845-BD4E-CB4CCA059FC4}" type="datetimeFigureOut">
               <a:rPr lang="en-US" smtClean="0"/>
-              <a:t>1/27/13</a:t>
+              <a:t>8/21/2020</a:t>
             </a:fld>
             <a:endParaRPr lang="en-US"/>
           </a:p>
@@ -3088,7 +3101,7 @@
 </file>
 
 <file path=ppt/slides/slide1.xml><?xml version="1.0" encoding="utf-8"?>
-<p:sld xmlns:a="http://schemas.openxmlformats.org/drawingml/2006/main" xmlns:p="http://schemas.openxmlformats.org/presentationml/2006/main" xmlns:r="http://schemas.openxmlformats.org/officeDocument/2006/relationships">
+<p:sld xmlns:a="http://schemas.openxmlformats.org/drawingml/2006/main" xmlns:r="http://schemas.openxmlformats.org/officeDocument/2006/relationships" xmlns:p="http://schemas.openxmlformats.org/presentationml/2006/main">
   <p:cSld>
     <p:spTree>
       <p:nvGrpSpPr>
@@ -3096,7 +3109,14 @@
         <p:cNvGrpSpPr/>
         <p:nvPr/>
       </p:nvGrpSpPr>
-      <p:grpSpPr/>
+      <p:grpSpPr>
+        <a:xfrm>
+          <a:off x="0" y="0"/>
+          <a:ext cx="0" cy="0"/>
+          <a:chOff x="0" y="0"/>
+          <a:chExt cx="0" cy="0"/>
+        </a:xfrm>
+      </p:grpSpPr>
       <p:sp>
         <p:nvSpPr>
           <p:cNvPr id="2" name="Rectangle 1"/>
@@ -3172,31 +3192,39 @@
           <a:lstStyle/>
           <a:p>
             <a:r>
-              <a:t>Q - 7  குவான்டோசோம் இவற்றில் காணப்படுகிறது?</a:t>
-            </a:r>
-          </a:p>
-          <a:p/>
-          <a:p>
-            <a:r>
-              <a:t>அ) மைட்டோகாண்ட்ரியா</a:t>
-            </a:r>
-          </a:p>
-          <a:p/>
-          <a:p>
-            <a:r>
-              <a:t>ஆ) பசுங்கணிகம்</a:t>
-            </a:r>
-          </a:p>
-          <a:p/>
-          <a:p>
-            <a:r>
-              <a:t>இ) கோல்கை உடலங்கள்</a:t>
-            </a:r>
-          </a:p>
-          <a:p/>
-          <a:p>
-            <a:r>
-              <a:t>ஈ) எண்டோபிளாச வலை</a:t>
+              <a:t>Q - 2  படகு அல்லி என்ற  சிறப்பு பண்பு காணப்படும் மலர் </a:t>
+            </a:r>
+          </a:p>
+          <a:p>
+            <a:endParaRPr/>
+          </a:p>
+          <a:p>
+            <a:r>
+              <a:t>அ) தக்காளி</a:t>
+            </a:r>
+          </a:p>
+          <a:p>
+            <a:endParaRPr/>
+          </a:p>
+          <a:p>
+            <a:r>
+              <a:t>ஆ) துலிப்</a:t>
+            </a:r>
+          </a:p>
+          <a:p>
+            <a:endParaRPr/>
+          </a:p>
+          <a:p>
+            <a:r>
+              <a:t>இ) இண்டிகோஃ பெரா</a:t>
+            </a:r>
+          </a:p>
+          <a:p>
+            <a:endParaRPr/>
+          </a:p>
+          <a:p>
+            <a:r>
+              <a:t>ஈ) அலோ</a:t>
             </a:r>
           </a:p>
         </p:txBody>
@@ -3210,7 +3238,7 @@
 </file>
 
 <file path=ppt/slides/slide10.xml><?xml version="1.0" encoding="utf-8"?>
-<p:sld xmlns:a="http://schemas.openxmlformats.org/drawingml/2006/main" xmlns:p="http://schemas.openxmlformats.org/presentationml/2006/main" xmlns:r="http://schemas.openxmlformats.org/officeDocument/2006/relationships">
+<p:sld xmlns:a="http://schemas.openxmlformats.org/drawingml/2006/main" xmlns:r="http://schemas.openxmlformats.org/officeDocument/2006/relationships" xmlns:p="http://schemas.openxmlformats.org/presentationml/2006/main">
   <p:cSld>
     <p:spTree>
       <p:nvGrpSpPr>
@@ -3218,7 +3246,14 @@
         <p:cNvGrpSpPr/>
         <p:nvPr/>
       </p:nvGrpSpPr>
-      <p:grpSpPr/>
+      <p:grpSpPr>
+        <a:xfrm>
+          <a:off x="0" y="0"/>
+          <a:ext cx="0" cy="0"/>
+          <a:chOff x="0" y="0"/>
+          <a:chExt cx="0" cy="0"/>
+        </a:xfrm>
+      </p:grpSpPr>
       <p:sp>
         <p:nvSpPr>
           <p:cNvPr id="2" name="Rectangle 1"/>
@@ -3294,10 +3329,12 @@
           <a:lstStyle/>
           <a:p>
             <a:r>
-              <a:t>Q - 11  கோல்கை உடலங்கள் இதில் முக்கிய பங்காற்றுகின்றன?</a:t>
-            </a:r>
-          </a:p>
-          <a:p/>
+              <a:t>Q - 6  சூல் ஒட்டுத்திசு மற்றும் கனித்தோல் ஆகிய இரண்டும் உண்ணும் பகுதியாக இருப்பது</a:t>
+            </a:r>
+          </a:p>
+          <a:p>
+            <a:endParaRPr/>
+          </a:p>
           <a:p>
             <a:pPr>
               <a:defRPr sz="2400" b="1">
@@ -3308,7 +3345,7 @@
               </a:defRPr>
             </a:pPr>
             <a:r>
-              <a:t>ஆ) புரதங்களை மொழிபெயர்த்தல்</a:t>
+              <a:t>இ) தக்காளி</a:t>
             </a:r>
           </a:p>
         </p:txBody>
@@ -3321,8 +3358,8 @@
 </p:sld>
 </file>
 
-<file path=ppt/slides/slide2.xml><?xml version="1.0" encoding="utf-8"?>
-<p:sld xmlns:a="http://schemas.openxmlformats.org/drawingml/2006/main" xmlns:p="http://schemas.openxmlformats.org/presentationml/2006/main" xmlns:r="http://schemas.openxmlformats.org/officeDocument/2006/relationships">
+<file path=ppt/slides/slide11.xml><?xml version="1.0" encoding="utf-8"?>
+<p:sld xmlns:a="http://schemas.openxmlformats.org/drawingml/2006/main" xmlns:r="http://schemas.openxmlformats.org/officeDocument/2006/relationships" xmlns:p="http://schemas.openxmlformats.org/presentationml/2006/main">
   <p:cSld>
     <p:spTree>
       <p:nvGrpSpPr>
@@ -3330,7 +3367,14 @@
         <p:cNvGrpSpPr/>
         <p:nvPr/>
       </p:nvGrpSpPr>
-      <p:grpSpPr/>
+      <p:grpSpPr>
+        <a:xfrm>
+          <a:off x="0" y="0"/>
+          <a:ext cx="0" cy="0"/>
+          <a:chOff x="0" y="0"/>
+          <a:chExt cx="0" cy="0"/>
+        </a:xfrm>
+      </p:grpSpPr>
       <p:sp>
         <p:nvSpPr>
           <p:cNvPr id="2" name="Rectangle 1"/>
@@ -3406,21 +3450,39 @@
           <a:lstStyle/>
           <a:p>
             <a:r>
-              <a:t>Q - 7  குவான்டோசோம் இவற்றில் காணப்படுகிறது?</a:t>
-            </a:r>
-          </a:p>
-          <a:p/>
-          <a:p>
-            <a:pPr>
-              <a:defRPr sz="2400" b="1">
-                <a:solidFill>
-                  <a:srgbClr val="00FF00"/>
-                </a:solidFill>
-                <a:latin typeface="Calibri"/>
-              </a:defRPr>
-            </a:pPr>
-            <a:r>
-              <a:t>ஆ) பசுங்கணிகம்</a:t>
+              <a:t>Q - 7  அல்லிவட்டம்  அல்லது புல்லிவட்டம்  ஆகியவை ஒன்றுக்கொன்று தழுவி ஒரு குறிப்பிட்ட திசையில் அமையாமல் இருக்கும் நிலைக்கு</a:t>
+            </a:r>
+          </a:p>
+          <a:p>
+            <a:endParaRPr/>
+          </a:p>
+          <a:p>
+            <a:r>
+              <a:t>அ) வெக்ஸில்லரி</a:t>
+            </a:r>
+          </a:p>
+          <a:p>
+            <a:endParaRPr/>
+          </a:p>
+          <a:p>
+            <a:r>
+              <a:t>ஆ) அடுக்கு இதழமைவு</a:t>
+            </a:r>
+          </a:p>
+          <a:p>
+            <a:endParaRPr/>
+          </a:p>
+          <a:p>
+            <a:r>
+              <a:t>இ) திருகு  இதழமைவு</a:t>
+            </a:r>
+          </a:p>
+          <a:p>
+            <a:endParaRPr/>
+          </a:p>
+          <a:p>
+            <a:r>
+              <a:t>ஈ) தொடு இதழமைவு</a:t>
             </a:r>
           </a:p>
         </p:txBody>
@@ -3433,8 +3495,8 @@
 </p:sld>
 </file>
 
-<file path=ppt/slides/slide3.xml><?xml version="1.0" encoding="utf-8"?>
-<p:sld xmlns:a="http://schemas.openxmlformats.org/drawingml/2006/main" xmlns:p="http://schemas.openxmlformats.org/presentationml/2006/main" xmlns:r="http://schemas.openxmlformats.org/officeDocument/2006/relationships">
+<file path=ppt/slides/slide12.xml><?xml version="1.0" encoding="utf-8"?>
+<p:sld xmlns:a="http://schemas.openxmlformats.org/drawingml/2006/main" xmlns:r="http://schemas.openxmlformats.org/officeDocument/2006/relationships" xmlns:p="http://schemas.openxmlformats.org/presentationml/2006/main">
   <p:cSld>
     <p:spTree>
       <p:nvGrpSpPr>
@@ -3442,7 +3504,14 @@
         <p:cNvGrpSpPr/>
         <p:nvPr/>
       </p:nvGrpSpPr>
-      <p:grpSpPr/>
+      <p:grpSpPr>
+        <a:xfrm>
+          <a:off x="0" y="0"/>
+          <a:ext cx="0" cy="0"/>
+          <a:chOff x="0" y="0"/>
+          <a:chExt cx="0" cy="0"/>
+        </a:xfrm>
+      </p:grpSpPr>
       <p:sp>
         <p:nvSpPr>
           <p:cNvPr id="2" name="Rectangle 1"/>
@@ -3518,31 +3587,23 @@
           <a:lstStyle/>
           <a:p>
             <a:r>
-              <a:t>Q - 8  சைட்டோகுரோம் ஆக்ஸிடேஸ் என்ற நொதி மைட்டோகாண்டிரியாவில் காணப்படும் இடம்?</a:t>
-            </a:r>
-          </a:p>
-          <a:p/>
-          <a:p>
-            <a:r>
-              <a:t>அ) மைட்டோகாண்டிரியாவின் வெளிச்சவ்வு</a:t>
-            </a:r>
-          </a:p>
-          <a:p/>
-          <a:p>
-            <a:r>
-              <a:t>ஆ) மைட்டோகாண்டிரியாவின் உட்சவ்வு </a:t>
-            </a:r>
-          </a:p>
-          <a:p/>
-          <a:p>
-            <a:r>
-              <a:t>இ) ஸ்ட்ரோமா </a:t>
-            </a:r>
-          </a:p>
-          <a:p/>
-          <a:p>
-            <a:r>
-              <a:t>ஈ) கிரானம் </a:t>
+              <a:t>Q - 7  அல்லிவட்டம்  அல்லது புல்லிவட்டம்  ஆகியவை ஒன்றுக்கொன்று தழுவி ஒரு குறிப்பிட்ட திசையில் அமையாமல் இருக்கும் நிலைக்கு</a:t>
+            </a:r>
+          </a:p>
+          <a:p>
+            <a:endParaRPr/>
+          </a:p>
+          <a:p>
+            <a:pPr>
+              <a:defRPr sz="2400" b="1">
+                <a:solidFill>
+                  <a:srgbClr val="00FF00"/>
+                </a:solidFill>
+                <a:latin typeface="Calibri"/>
+              </a:defRPr>
+            </a:pPr>
+            <a:r>
+              <a:t>ஆ) அடுக்கு இதழமைவு</a:t>
             </a:r>
           </a:p>
         </p:txBody>
@@ -3555,8 +3616,8 @@
 </p:sld>
 </file>
 
-<file path=ppt/slides/slide4.xml><?xml version="1.0" encoding="utf-8"?>
-<p:sld xmlns:a="http://schemas.openxmlformats.org/drawingml/2006/main" xmlns:p="http://schemas.openxmlformats.org/presentationml/2006/main" xmlns:r="http://schemas.openxmlformats.org/officeDocument/2006/relationships">
+<file path=ppt/slides/slide13.xml><?xml version="1.0" encoding="utf-8"?>
+<p:sld xmlns:a="http://schemas.openxmlformats.org/drawingml/2006/main" xmlns:r="http://schemas.openxmlformats.org/officeDocument/2006/relationships" xmlns:p="http://schemas.openxmlformats.org/presentationml/2006/main">
   <p:cSld>
     <p:spTree>
       <p:nvGrpSpPr>
@@ -3564,7 +3625,14 @@
         <p:cNvGrpSpPr/>
         <p:nvPr/>
       </p:nvGrpSpPr>
-      <p:grpSpPr/>
+      <p:grpSpPr>
+        <a:xfrm>
+          <a:off x="0" y="0"/>
+          <a:ext cx="0" cy="0"/>
+          <a:chOff x="0" y="0"/>
+          <a:chExt cx="0" cy="0"/>
+        </a:xfrm>
+      </p:grpSpPr>
       <p:sp>
         <p:nvSpPr>
           <p:cNvPr id="2" name="Rectangle 1"/>
@@ -3640,21 +3708,39 @@
           <a:lstStyle/>
           <a:p>
             <a:r>
-              <a:t>Q - 8  சைட்டோகுரோம் ஆக்ஸிடேஸ் என்ற நொதி மைட்டோகாண்டிரியாவில் காணப்படும் இடம்?</a:t>
-            </a:r>
-          </a:p>
-          <a:p/>
-          <a:p>
-            <a:pPr>
-              <a:defRPr sz="2400" b="1">
-                <a:solidFill>
-                  <a:srgbClr val="00FF00"/>
-                </a:solidFill>
-                <a:latin typeface="Calibri"/>
-              </a:defRPr>
-            </a:pPr>
-            <a:r>
-              <a:t>ஆ) மைட்டோகாண்டிரியாவின் உட்சவ்வு </a:t>
+              <a:t>Q - 8  திரள்கனிகள் எதிலிருந்து உருவாகிறது</a:t>
+            </a:r>
+          </a:p>
+          <a:p>
+            <a:endParaRPr/>
+          </a:p>
+          <a:p>
+            <a:r>
+              <a:t>அ) இணைந்த பல சூலிலை சூலகம்</a:t>
+            </a:r>
+          </a:p>
+          <a:p>
+            <a:endParaRPr/>
+          </a:p>
+          <a:p>
+            <a:r>
+              <a:t>ஆ) இணையாத பல சூலிலை சூலகம்</a:t>
+            </a:r>
+          </a:p>
+          <a:p>
+            <a:endParaRPr/>
+          </a:p>
+          <a:p>
+            <a:r>
+              <a:t>இ) முழு மஞ்சரி </a:t>
+            </a:r>
+          </a:p>
+          <a:p>
+            <a:endParaRPr/>
+          </a:p>
+          <a:p>
+            <a:r>
+              <a:t>ஈ) பல சூலிலைகள் கொண்ட மேல்மட்ட சூற்பை </a:t>
             </a:r>
           </a:p>
         </p:txBody>
@@ -3667,8 +3753,8 @@
 </p:sld>
 </file>
 
-<file path=ppt/slides/slide5.xml><?xml version="1.0" encoding="utf-8"?>
-<p:sld xmlns:a="http://schemas.openxmlformats.org/drawingml/2006/main" xmlns:p="http://schemas.openxmlformats.org/presentationml/2006/main" xmlns:r="http://schemas.openxmlformats.org/officeDocument/2006/relationships">
+<file path=ppt/slides/slide14.xml><?xml version="1.0" encoding="utf-8"?>
+<p:sld xmlns:a="http://schemas.openxmlformats.org/drawingml/2006/main" xmlns:r="http://schemas.openxmlformats.org/officeDocument/2006/relationships" xmlns:p="http://schemas.openxmlformats.org/presentationml/2006/main">
   <p:cSld>
     <p:spTree>
       <p:nvGrpSpPr>
@@ -3676,7 +3762,14 @@
         <p:cNvGrpSpPr/>
         <p:nvPr/>
       </p:nvGrpSpPr>
-      <p:grpSpPr/>
+      <p:grpSpPr>
+        <a:xfrm>
+          <a:off x="0" y="0"/>
+          <a:ext cx="0" cy="0"/>
+          <a:chOff x="0" y="0"/>
+          <a:chExt cx="0" cy="0"/>
+        </a:xfrm>
+      </p:grpSpPr>
       <p:sp>
         <p:nvSpPr>
           <p:cNvPr id="2" name="Rectangle 1"/>
@@ -3752,31 +3845,23 @@
           <a:lstStyle/>
           <a:p>
             <a:r>
-              <a:t>Q - 9  சுரக்கும் செல்கள் அதிகளவில் காணக்கூடிய செல் நுண்ணுறுப்பு எது?</a:t>
-            </a:r>
-          </a:p>
-          <a:p/>
-          <a:p>
-            <a:r>
-              <a:t>அ) மைட்டோகாண்ட்ரியா</a:t>
-            </a:r>
-          </a:p>
-          <a:p/>
-          <a:p>
-            <a:r>
-              <a:t>ஆ) பசுங்கணிகம்</a:t>
-            </a:r>
-          </a:p>
-          <a:p/>
-          <a:p>
-            <a:r>
-              <a:t>இ) உட்கரு</a:t>
-            </a:r>
-          </a:p>
-          <a:p/>
-          <a:p>
-            <a:r>
-              <a:t>ஈ) டிக்டியோசோம்கள் </a:t>
+              <a:t>Q - 8  திரள்கனிகள் எதிலிருந்து உருவாகிறது</a:t>
+            </a:r>
+          </a:p>
+          <a:p>
+            <a:endParaRPr/>
+          </a:p>
+          <a:p>
+            <a:pPr>
+              <a:defRPr sz="2400" b="1">
+                <a:solidFill>
+                  <a:srgbClr val="00FF00"/>
+                </a:solidFill>
+                <a:latin typeface="Calibri"/>
+              </a:defRPr>
+            </a:pPr>
+            <a:r>
+              <a:t>ஆ) இணையாத பல சூலிலை சூலகம்</a:t>
             </a:r>
           </a:p>
         </p:txBody>
@@ -3789,8 +3874,8 @@
 </p:sld>
 </file>
 
-<file path=ppt/slides/slide6.xml><?xml version="1.0" encoding="utf-8"?>
-<p:sld xmlns:a="http://schemas.openxmlformats.org/drawingml/2006/main" xmlns:p="http://schemas.openxmlformats.org/presentationml/2006/main" xmlns:r="http://schemas.openxmlformats.org/officeDocument/2006/relationships">
+<file path=ppt/slides/slide15.xml><?xml version="1.0" encoding="utf-8"?>
+<p:sld xmlns:a="http://schemas.openxmlformats.org/drawingml/2006/main" xmlns:r="http://schemas.openxmlformats.org/officeDocument/2006/relationships" xmlns:p="http://schemas.openxmlformats.org/presentationml/2006/main">
   <p:cSld>
     <p:spTree>
       <p:nvGrpSpPr>
@@ -3798,7 +3883,14 @@
         <p:cNvGrpSpPr/>
         <p:nvPr/>
       </p:nvGrpSpPr>
-      <p:grpSpPr/>
+      <p:grpSpPr>
+        <a:xfrm>
+          <a:off x="0" y="0"/>
+          <a:ext cx="0" cy="0"/>
+          <a:chOff x="0" y="0"/>
+          <a:chExt cx="0" cy="0"/>
+        </a:xfrm>
+      </p:grpSpPr>
       <p:sp>
         <p:nvSpPr>
           <p:cNvPr id="2" name="Rectangle 1"/>
@@ -3874,21 +3966,39 @@
           <a:lstStyle/>
           <a:p>
             <a:r>
-              <a:t>Q - 9  சுரக்கும் செல்கள் அதிகளவில் காணக்கூடிய செல் நுண்ணுறுப்பு எது?</a:t>
-            </a:r>
-          </a:p>
-          <a:p/>
-          <a:p>
-            <a:pPr>
-              <a:defRPr sz="2400" b="1">
-                <a:solidFill>
-                  <a:srgbClr val="00FF00"/>
-                </a:solidFill>
-                <a:latin typeface="Calibri"/>
-              </a:defRPr>
-            </a:pPr>
-            <a:r>
-              <a:t>ஈ) டிக்டியோசோம்கள் </a:t>
+              <a:t>Q - 9  கருப்புரதமற்ற திசுக்கள் விதைகள் இதில் உருவாகிறது</a:t>
+            </a:r>
+          </a:p>
+          <a:p>
+            <a:endParaRPr/>
+          </a:p>
+          <a:p>
+            <a:r>
+              <a:t>அ) மக்காச்சோளம்</a:t>
+            </a:r>
+          </a:p>
+          <a:p>
+            <a:endParaRPr/>
+          </a:p>
+          <a:p>
+            <a:r>
+              <a:t>ஆ) ஆமணக்கு</a:t>
+            </a:r>
+          </a:p>
+          <a:p>
+            <a:endParaRPr/>
+          </a:p>
+          <a:p>
+            <a:r>
+              <a:t>இ) கோதுமை</a:t>
+            </a:r>
+          </a:p>
+          <a:p>
+            <a:endParaRPr/>
+          </a:p>
+          <a:p>
+            <a:r>
+              <a:t>ஈ) பட்டாணி</a:t>
             </a:r>
           </a:p>
         </p:txBody>
@@ -3901,8 +4011,8 @@
 </p:sld>
 </file>
 
-<file path=ppt/slides/slide7.xml><?xml version="1.0" encoding="utf-8"?>
-<p:sld xmlns:a="http://schemas.openxmlformats.org/drawingml/2006/main" xmlns:p="http://schemas.openxmlformats.org/presentationml/2006/main" xmlns:r="http://schemas.openxmlformats.org/officeDocument/2006/relationships">
+<file path=ppt/slides/slide16.xml><?xml version="1.0" encoding="utf-8"?>
+<p:sld xmlns:a="http://schemas.openxmlformats.org/drawingml/2006/main" xmlns:r="http://schemas.openxmlformats.org/officeDocument/2006/relationships" xmlns:p="http://schemas.openxmlformats.org/presentationml/2006/main">
   <p:cSld>
     <p:spTree>
       <p:nvGrpSpPr>
@@ -3910,7 +4020,14 @@
         <p:cNvGrpSpPr/>
         <p:nvPr/>
       </p:nvGrpSpPr>
-      <p:grpSpPr/>
+      <p:grpSpPr>
+        <a:xfrm>
+          <a:off x="0" y="0"/>
+          <a:ext cx="0" cy="0"/>
+          <a:chOff x="0" y="0"/>
+          <a:chExt cx="0" cy="0"/>
+        </a:xfrm>
+      </p:grpSpPr>
       <p:sp>
         <p:nvSpPr>
           <p:cNvPr id="2" name="Rectangle 1"/>
@@ -3986,31 +4103,23 @@
           <a:lstStyle/>
           <a:p>
             <a:r>
-              <a:t>Q - 10  லிப்பிடுகள் அதிகளவில் உற்பத்தியாகும் இடம்?</a:t>
-            </a:r>
-          </a:p>
-          <a:p/>
-          <a:p>
-            <a:r>
-              <a:t>அ) சொரசொரப்பான எண்டோபிளாச வலை </a:t>
-            </a:r>
-          </a:p>
-          <a:p/>
-          <a:p>
-            <a:r>
-              <a:t>ஆ) வழவழப்பான  எண்டோபிளாச வலை </a:t>
-            </a:r>
-          </a:p>
-          <a:p/>
-          <a:p>
-            <a:r>
-              <a:t>இ) சென்ட்ரியோல்</a:t>
-            </a:r>
-          </a:p>
-          <a:p/>
-          <a:p>
-            <a:r>
-              <a:t>ஈ) லைசோசோம்</a:t>
+              <a:t>Q - 9  கருப்புரதமற்ற திசுக்கள் விதைகள் இதில் உருவாகிறது</a:t>
+            </a:r>
+          </a:p>
+          <a:p>
+            <a:endParaRPr/>
+          </a:p>
+          <a:p>
+            <a:pPr>
+              <a:defRPr sz="2400" b="1">
+                <a:solidFill>
+                  <a:srgbClr val="00FF00"/>
+                </a:solidFill>
+                <a:latin typeface="Calibri"/>
+              </a:defRPr>
+            </a:pPr>
+            <a:r>
+              <a:t>ஈ) பட்டாணி</a:t>
             </a:r>
           </a:p>
         </p:txBody>
@@ -4023,8 +4132,8 @@
 </p:sld>
 </file>
 
-<file path=ppt/slides/slide8.xml><?xml version="1.0" encoding="utf-8"?>
-<p:sld xmlns:a="http://schemas.openxmlformats.org/drawingml/2006/main" xmlns:p="http://schemas.openxmlformats.org/presentationml/2006/main" xmlns:r="http://schemas.openxmlformats.org/officeDocument/2006/relationships">
+<file path=ppt/slides/slide17.xml><?xml version="1.0" encoding="utf-8"?>
+<p:sld xmlns:a="http://schemas.openxmlformats.org/drawingml/2006/main" xmlns:r="http://schemas.openxmlformats.org/officeDocument/2006/relationships" xmlns:p="http://schemas.openxmlformats.org/presentationml/2006/main">
   <p:cSld>
     <p:spTree>
       <p:nvGrpSpPr>
@@ -4032,7 +4141,14 @@
         <p:cNvGrpSpPr/>
         <p:nvPr/>
       </p:nvGrpSpPr>
-      <p:grpSpPr/>
+      <p:grpSpPr>
+        <a:xfrm>
+          <a:off x="0" y="0"/>
+          <a:ext cx="0" cy="0"/>
+          <a:chOff x="0" y="0"/>
+          <a:chExt cx="0" cy="0"/>
+        </a:xfrm>
+      </p:grpSpPr>
       <p:sp>
         <p:nvSpPr>
           <p:cNvPr id="2" name="Rectangle 1"/>
@@ -4108,21 +4224,39 @@
           <a:lstStyle/>
           <a:p>
             <a:r>
-              <a:t>Q - 10  லிப்பிடுகள் அதிகளவில் உற்பத்தியாகும் இடம்?</a:t>
-            </a:r>
-          </a:p>
-          <a:p/>
-          <a:p>
-            <a:pPr>
-              <a:defRPr sz="2400" b="1">
-                <a:solidFill>
-                  <a:srgbClr val="00FF00"/>
-                </a:solidFill>
-                <a:latin typeface="Calibri"/>
-              </a:defRPr>
-            </a:pPr>
-            <a:r>
-              <a:t>ஆ) வழவழப்பான  எண்டோபிளாச வலை </a:t>
+              <a:t>Q - 10  விதையுறை மென்மையாகவோ, சல்வுபோன்றோ  கிடையாது</a:t>
+            </a:r>
+          </a:p>
+          <a:p>
+            <a:endParaRPr/>
+          </a:p>
+          <a:p>
+            <a:r>
+              <a:t>அ) தென்னை</a:t>
+            </a:r>
+          </a:p>
+          <a:p>
+            <a:endParaRPr/>
+          </a:p>
+          <a:p>
+            <a:r>
+              <a:t>ஆ) நிலக்கடலை</a:t>
+            </a:r>
+          </a:p>
+          <a:p>
+            <a:endParaRPr/>
+          </a:p>
+          <a:p>
+            <a:r>
+              <a:t>இ) பருப்பு</a:t>
+            </a:r>
+          </a:p>
+          <a:p>
+            <a:endParaRPr/>
+          </a:p>
+          <a:p>
+            <a:r>
+              <a:t>ஈ) மக்காச்சோளம் </a:t>
             </a:r>
           </a:p>
         </p:txBody>
@@ -4135,8 +4269,8 @@
 </p:sld>
 </file>
 
-<file path=ppt/slides/slide9.xml><?xml version="1.0" encoding="utf-8"?>
-<p:sld xmlns:a="http://schemas.openxmlformats.org/drawingml/2006/main" xmlns:p="http://schemas.openxmlformats.org/presentationml/2006/main" xmlns:r="http://schemas.openxmlformats.org/officeDocument/2006/relationships">
+<file path=ppt/slides/slide18.xml><?xml version="1.0" encoding="utf-8"?>
+<p:sld xmlns:a="http://schemas.openxmlformats.org/drawingml/2006/main" xmlns:r="http://schemas.openxmlformats.org/officeDocument/2006/relationships" xmlns:p="http://schemas.openxmlformats.org/presentationml/2006/main">
   <p:cSld>
     <p:spTree>
       <p:nvGrpSpPr>
@@ -4144,7 +4278,14 @@
         <p:cNvGrpSpPr/>
         <p:nvPr/>
       </p:nvGrpSpPr>
-      <p:grpSpPr/>
+      <p:grpSpPr>
+        <a:xfrm>
+          <a:off x="0" y="0"/>
+          <a:ext cx="0" cy="0"/>
+          <a:chOff x="0" y="0"/>
+          <a:chExt cx="0" cy="0"/>
+        </a:xfrm>
+      </p:grpSpPr>
       <p:sp>
         <p:nvSpPr>
           <p:cNvPr id="2" name="Rectangle 1"/>
@@ -4220,31 +4361,2345 @@
           <a:lstStyle/>
           <a:p>
             <a:r>
-              <a:t>Q - 11  கோல்கை உடலங்கள் இதில் முக்கிய பங்காற்றுகின்றன?</a:t>
-            </a:r>
-          </a:p>
-          <a:p/>
-          <a:p>
-            <a:r>
-              <a:t>அ) புரதங்கள் மொழியாக்கத்திற்குப் பின்பு மாறுபாடு அடைதல் மற்றும் லிப்பிடுகளின் கிளைகோசிடேசன் </a:t>
-            </a:r>
-          </a:p>
-          <a:p/>
-          <a:p>
-            <a:r>
-              <a:t>ஆ) புரதங்களை மொழிபெயர்த்தல்</a:t>
-            </a:r>
-          </a:p>
-          <a:p/>
-          <a:p>
-            <a:r>
-              <a:t>இ) புரதங்களை படியெடுத்தல்</a:t>
-            </a:r>
-          </a:p>
-          <a:p/>
-          <a:p>
-            <a:r>
-              <a:t>ஈ) லிப்பிடு உற்பத்தி </a:t>
+              <a:t>Q - 10  விதையுறை மென்மையாகவோ, சல்வுபோன்றோ  கிடையாது</a:t>
+            </a:r>
+          </a:p>
+          <a:p>
+            <a:endParaRPr/>
+          </a:p>
+          <a:p>
+            <a:pPr>
+              <a:defRPr sz="2400" b="1">
+                <a:solidFill>
+                  <a:srgbClr val="00FF00"/>
+                </a:solidFill>
+                <a:latin typeface="Calibri"/>
+              </a:defRPr>
+            </a:pPr>
+            <a:r>
+              <a:t>அ) தென்னை</a:t>
+            </a:r>
+          </a:p>
+        </p:txBody>
+      </p:sp>
+    </p:spTree>
+  </p:cSld>
+  <p:clrMapOvr>
+    <a:masterClrMapping/>
+  </p:clrMapOvr>
+</p:sld>
+</file>
+
+<file path=ppt/slides/slide19.xml><?xml version="1.0" encoding="utf-8"?>
+<p:sld xmlns:a="http://schemas.openxmlformats.org/drawingml/2006/main" xmlns:r="http://schemas.openxmlformats.org/officeDocument/2006/relationships" xmlns:p="http://schemas.openxmlformats.org/presentationml/2006/main">
+  <p:cSld>
+    <p:spTree>
+      <p:nvGrpSpPr>
+        <p:cNvPr id="1" name=""/>
+        <p:cNvGrpSpPr/>
+        <p:nvPr/>
+      </p:nvGrpSpPr>
+      <p:grpSpPr>
+        <a:xfrm>
+          <a:off x="0" y="0"/>
+          <a:ext cx="0" cy="0"/>
+          <a:chOff x="0" y="0"/>
+          <a:chExt cx="0" cy="0"/>
+        </a:xfrm>
+      </p:grpSpPr>
+      <p:sp>
+        <p:nvSpPr>
+          <p:cNvPr id="2" name="Rectangle 1"/>
+          <p:cNvSpPr/>
+          <p:nvPr/>
+        </p:nvSpPr>
+        <p:spPr>
+          <a:xfrm>
+            <a:off x="0" y="457200"/>
+            <a:ext cx="9144000" cy="457200"/>
+          </a:xfrm>
+          <a:prstGeom prst="rect">
+            <a:avLst/>
+          </a:prstGeom>
+          <a:solidFill>
+            <a:srgbClr val="FF0000"/>
+          </a:solidFill>
+          <a:ln>
+            <a:solidFill>
+              <a:srgbClr val="FF0000"/>
+            </a:solidFill>
+          </a:ln>
+          <a:effectLst/>
+        </p:spPr>
+        <p:style>
+          <a:lnRef idx="1">
+            <a:schemeClr val="accent1"/>
+          </a:lnRef>
+          <a:fillRef idx="3">
+            <a:schemeClr val="accent1"/>
+          </a:fillRef>
+          <a:effectRef idx="2">
+            <a:schemeClr val="accent1"/>
+          </a:effectRef>
+          <a:fontRef idx="minor">
+            <a:schemeClr val="lt1"/>
+          </a:fontRef>
+        </p:style>
+        <p:txBody>
+          <a:bodyPr rtlCol="0" anchor="ctr"/>
+          <a:lstStyle/>
+          <a:p>
+            <a:pPr algn="ctr"/>
+            <a:r>
+              <a:rPr sz="2400" b="1">
+                <a:latin typeface="Calibri"/>
+              </a:rPr>
+              <a:t>11th Std - Questions</a:t>
+            </a:r>
+          </a:p>
+        </p:txBody>
+      </p:sp>
+      <p:sp>
+        <p:nvSpPr>
+          <p:cNvPr id="3" name="TextBox 2"/>
+          <p:cNvSpPr txBox="1"/>
+          <p:nvPr/>
+        </p:nvSpPr>
+        <p:spPr>
+          <a:xfrm>
+            <a:off x="457200" y="1371600"/>
+            <a:ext cx="7315200" cy="3657600"/>
+          </a:xfrm>
+          <a:prstGeom prst="rect">
+            <a:avLst/>
+          </a:prstGeom>
+          <a:noFill/>
+        </p:spPr>
+        <p:txBody>
+          <a:bodyPr wrap="square">
+            <a:spAutoFit/>
+          </a:bodyPr>
+          <a:lstStyle/>
+          <a:p>
+            <a:r>
+              <a:t>Q - 11  சீன ரோஜா மலரானது</a:t>
+            </a:r>
+          </a:p>
+          <a:p>
+            <a:endParaRPr/>
+          </a:p>
+          <a:p>
+            <a:r>
+              <a:t>அ) ஆரச்சீருடையது, கீழ்மட்ட சூற்பை, தொடு  இதழ் அமைவு உடையது</a:t>
+            </a:r>
+          </a:p>
+          <a:p>
+            <a:endParaRPr/>
+          </a:p>
+          <a:p>
+            <a:r>
+              <a:t>ஆ) இருபக்கச் சீருடையது, மேல்மட்ட சூற்பை, அடுக்கு  இதழமைவு  உடையது</a:t>
+            </a:r>
+          </a:p>
+          <a:p>
+            <a:endParaRPr/>
+          </a:p>
+          <a:p>
+            <a:r>
+              <a:t>இ) இருபக்கச் சீருடையது, கீழ்மட்ட சூற்பை, திருகு  இதழமைவு உடையது</a:t>
+            </a:r>
+          </a:p>
+          <a:p>
+            <a:endParaRPr/>
+          </a:p>
+          <a:p>
+            <a:r>
+              <a:t>ஈ) ஆரச்சீருடையது, மேல்மட்ட சூற்பை, திருகு  இதழமைவு உடையது</a:t>
+            </a:r>
+          </a:p>
+        </p:txBody>
+      </p:sp>
+    </p:spTree>
+  </p:cSld>
+  <p:clrMapOvr>
+    <a:masterClrMapping/>
+  </p:clrMapOvr>
+</p:sld>
+</file>
+
+<file path=ppt/slides/slide2.xml><?xml version="1.0" encoding="utf-8"?>
+<p:sld xmlns:a="http://schemas.openxmlformats.org/drawingml/2006/main" xmlns:r="http://schemas.openxmlformats.org/officeDocument/2006/relationships" xmlns:p="http://schemas.openxmlformats.org/presentationml/2006/main">
+  <p:cSld>
+    <p:spTree>
+      <p:nvGrpSpPr>
+        <p:cNvPr id="1" name=""/>
+        <p:cNvGrpSpPr/>
+        <p:nvPr/>
+      </p:nvGrpSpPr>
+      <p:grpSpPr>
+        <a:xfrm>
+          <a:off x="0" y="0"/>
+          <a:ext cx="0" cy="0"/>
+          <a:chOff x="0" y="0"/>
+          <a:chExt cx="0" cy="0"/>
+        </a:xfrm>
+      </p:grpSpPr>
+      <p:sp>
+        <p:nvSpPr>
+          <p:cNvPr id="2" name="Rectangle 1"/>
+          <p:cNvSpPr/>
+          <p:nvPr/>
+        </p:nvSpPr>
+        <p:spPr>
+          <a:xfrm>
+            <a:off x="0" y="457200"/>
+            <a:ext cx="9144000" cy="457200"/>
+          </a:xfrm>
+          <a:prstGeom prst="rect">
+            <a:avLst/>
+          </a:prstGeom>
+          <a:solidFill>
+            <a:srgbClr val="FF0000"/>
+          </a:solidFill>
+          <a:ln>
+            <a:solidFill>
+              <a:srgbClr val="FF0000"/>
+            </a:solidFill>
+          </a:ln>
+          <a:effectLst/>
+        </p:spPr>
+        <p:style>
+          <a:lnRef idx="1">
+            <a:schemeClr val="accent1"/>
+          </a:lnRef>
+          <a:fillRef idx="3">
+            <a:schemeClr val="accent1"/>
+          </a:fillRef>
+          <a:effectRef idx="2">
+            <a:schemeClr val="accent1"/>
+          </a:effectRef>
+          <a:fontRef idx="minor">
+            <a:schemeClr val="lt1"/>
+          </a:fontRef>
+        </p:style>
+        <p:txBody>
+          <a:bodyPr rtlCol="0" anchor="ctr"/>
+          <a:lstStyle/>
+          <a:p>
+            <a:pPr algn="ctr"/>
+            <a:r>
+              <a:rPr sz="2400" b="1">
+                <a:latin typeface="Calibri"/>
+              </a:rPr>
+              <a:t>11th Std - Questions</a:t>
+            </a:r>
+          </a:p>
+        </p:txBody>
+      </p:sp>
+      <p:sp>
+        <p:nvSpPr>
+          <p:cNvPr id="3" name="TextBox 2"/>
+          <p:cNvSpPr txBox="1"/>
+          <p:nvPr/>
+        </p:nvSpPr>
+        <p:spPr>
+          <a:xfrm>
+            <a:off x="457200" y="1371600"/>
+            <a:ext cx="7315200" cy="3657600"/>
+          </a:xfrm>
+          <a:prstGeom prst="rect">
+            <a:avLst/>
+          </a:prstGeom>
+          <a:noFill/>
+        </p:spPr>
+        <p:txBody>
+          <a:bodyPr wrap="square">
+            <a:spAutoFit/>
+          </a:bodyPr>
+          <a:lstStyle/>
+          <a:p>
+            <a:r>
+              <a:t>Q - 2  படகு அல்லி என்ற  சிறப்பு பண்பு காணப்படும் மலர் </a:t>
+            </a:r>
+          </a:p>
+          <a:p>
+            <a:endParaRPr/>
+          </a:p>
+          <a:p>
+            <a:pPr>
+              <a:defRPr sz="2400" b="1">
+                <a:solidFill>
+                  <a:srgbClr val="00FF00"/>
+                </a:solidFill>
+                <a:latin typeface="Calibri"/>
+              </a:defRPr>
+            </a:pPr>
+            <a:r>
+              <a:t>இ) இண்டிகோஃ பெரா</a:t>
+            </a:r>
+          </a:p>
+        </p:txBody>
+      </p:sp>
+    </p:spTree>
+  </p:cSld>
+  <p:clrMapOvr>
+    <a:masterClrMapping/>
+  </p:clrMapOvr>
+</p:sld>
+</file>
+
+<file path=ppt/slides/slide20.xml><?xml version="1.0" encoding="utf-8"?>
+<p:sld xmlns:a="http://schemas.openxmlformats.org/drawingml/2006/main" xmlns:r="http://schemas.openxmlformats.org/officeDocument/2006/relationships" xmlns:p="http://schemas.openxmlformats.org/presentationml/2006/main">
+  <p:cSld>
+    <p:spTree>
+      <p:nvGrpSpPr>
+        <p:cNvPr id="1" name=""/>
+        <p:cNvGrpSpPr/>
+        <p:nvPr/>
+      </p:nvGrpSpPr>
+      <p:grpSpPr>
+        <a:xfrm>
+          <a:off x="0" y="0"/>
+          <a:ext cx="0" cy="0"/>
+          <a:chOff x="0" y="0"/>
+          <a:chExt cx="0" cy="0"/>
+        </a:xfrm>
+      </p:grpSpPr>
+      <p:sp>
+        <p:nvSpPr>
+          <p:cNvPr id="2" name="Rectangle 1"/>
+          <p:cNvSpPr/>
+          <p:nvPr/>
+        </p:nvSpPr>
+        <p:spPr>
+          <a:xfrm>
+            <a:off x="0" y="457200"/>
+            <a:ext cx="9144000" cy="457200"/>
+          </a:xfrm>
+          <a:prstGeom prst="rect">
+            <a:avLst/>
+          </a:prstGeom>
+          <a:solidFill>
+            <a:srgbClr val="FF0000"/>
+          </a:solidFill>
+          <a:ln>
+            <a:solidFill>
+              <a:srgbClr val="FF0000"/>
+            </a:solidFill>
+          </a:ln>
+          <a:effectLst/>
+        </p:spPr>
+        <p:style>
+          <a:lnRef idx="1">
+            <a:schemeClr val="accent1"/>
+          </a:lnRef>
+          <a:fillRef idx="3">
+            <a:schemeClr val="accent1"/>
+          </a:fillRef>
+          <a:effectRef idx="2">
+            <a:schemeClr val="accent1"/>
+          </a:effectRef>
+          <a:fontRef idx="minor">
+            <a:schemeClr val="lt1"/>
+          </a:fontRef>
+        </p:style>
+        <p:txBody>
+          <a:bodyPr rtlCol="0" anchor="ctr"/>
+          <a:lstStyle/>
+          <a:p>
+            <a:pPr algn="ctr"/>
+            <a:r>
+              <a:rPr sz="2400" b="1">
+                <a:latin typeface="Calibri"/>
+              </a:rPr>
+              <a:t>11th Std - Questions</a:t>
+            </a:r>
+          </a:p>
+        </p:txBody>
+      </p:sp>
+      <p:sp>
+        <p:nvSpPr>
+          <p:cNvPr id="3" name="TextBox 2"/>
+          <p:cNvSpPr txBox="1"/>
+          <p:nvPr/>
+        </p:nvSpPr>
+        <p:spPr>
+          <a:xfrm>
+            <a:off x="457200" y="1371600"/>
+            <a:ext cx="7315200" cy="3657600"/>
+          </a:xfrm>
+          <a:prstGeom prst="rect">
+            <a:avLst/>
+          </a:prstGeom>
+          <a:noFill/>
+        </p:spPr>
+        <p:txBody>
+          <a:bodyPr wrap="square">
+            <a:spAutoFit/>
+          </a:bodyPr>
+          <a:lstStyle/>
+          <a:p>
+            <a:r>
+              <a:t>Q - 11  சீன ரோஜா மலரானது</a:t>
+            </a:r>
+          </a:p>
+          <a:p>
+            <a:endParaRPr/>
+          </a:p>
+          <a:p>
+            <a:pPr>
+              <a:defRPr sz="2400" b="1">
+                <a:solidFill>
+                  <a:srgbClr val="00FF00"/>
+                </a:solidFill>
+                <a:latin typeface="Calibri"/>
+              </a:defRPr>
+            </a:pPr>
+            <a:r>
+              <a:t>ஈ) ஆரச்சீருடையது, மேல்மட்ட சூற்பை, திருகு  இதழமைவு உடையது</a:t>
+            </a:r>
+          </a:p>
+        </p:txBody>
+      </p:sp>
+    </p:spTree>
+  </p:cSld>
+  <p:clrMapOvr>
+    <a:masterClrMapping/>
+  </p:clrMapOvr>
+</p:sld>
+</file>
+
+<file path=ppt/slides/slide21.xml><?xml version="1.0" encoding="utf-8"?>
+<p:sld xmlns:a="http://schemas.openxmlformats.org/drawingml/2006/main" xmlns:r="http://schemas.openxmlformats.org/officeDocument/2006/relationships" xmlns:p="http://schemas.openxmlformats.org/presentationml/2006/main">
+  <p:cSld>
+    <p:spTree>
+      <p:nvGrpSpPr>
+        <p:cNvPr id="1" name=""/>
+        <p:cNvGrpSpPr/>
+        <p:nvPr/>
+      </p:nvGrpSpPr>
+      <p:grpSpPr>
+        <a:xfrm>
+          <a:off x="0" y="0"/>
+          <a:ext cx="0" cy="0"/>
+          <a:chOff x="0" y="0"/>
+          <a:chExt cx="0" cy="0"/>
+        </a:xfrm>
+      </p:grpSpPr>
+      <p:sp>
+        <p:nvSpPr>
+          <p:cNvPr id="2" name="Rectangle 1"/>
+          <p:cNvSpPr/>
+          <p:nvPr/>
+        </p:nvSpPr>
+        <p:spPr>
+          <a:xfrm>
+            <a:off x="0" y="457200"/>
+            <a:ext cx="9144000" cy="457200"/>
+          </a:xfrm>
+          <a:prstGeom prst="rect">
+            <a:avLst/>
+          </a:prstGeom>
+          <a:solidFill>
+            <a:srgbClr val="FF0000"/>
+          </a:solidFill>
+          <a:ln>
+            <a:solidFill>
+              <a:srgbClr val="FF0000"/>
+            </a:solidFill>
+          </a:ln>
+          <a:effectLst/>
+        </p:spPr>
+        <p:style>
+          <a:lnRef idx="1">
+            <a:schemeClr val="accent1"/>
+          </a:lnRef>
+          <a:fillRef idx="3">
+            <a:schemeClr val="accent1"/>
+          </a:fillRef>
+          <a:effectRef idx="2">
+            <a:schemeClr val="accent1"/>
+          </a:effectRef>
+          <a:fontRef idx="minor">
+            <a:schemeClr val="lt1"/>
+          </a:fontRef>
+        </p:style>
+        <p:txBody>
+          <a:bodyPr rtlCol="0" anchor="ctr"/>
+          <a:lstStyle/>
+          <a:p>
+            <a:pPr algn="ctr"/>
+            <a:r>
+              <a:rPr sz="2400" b="1">
+                <a:latin typeface="Calibri"/>
+              </a:rPr>
+              <a:t>11th Std - Questions</a:t>
+            </a:r>
+          </a:p>
+        </p:txBody>
+      </p:sp>
+      <p:sp>
+        <p:nvSpPr>
+          <p:cNvPr id="3" name="TextBox 2"/>
+          <p:cNvSpPr txBox="1"/>
+          <p:nvPr/>
+        </p:nvSpPr>
+        <p:spPr>
+          <a:xfrm>
+            <a:off x="457200" y="1371600"/>
+            <a:ext cx="7315200" cy="3657600"/>
+          </a:xfrm>
+          <a:prstGeom prst="rect">
+            <a:avLst/>
+          </a:prstGeom>
+          <a:noFill/>
+        </p:spPr>
+        <p:txBody>
+          <a:bodyPr wrap="square">
+            <a:spAutoFit/>
+          </a:bodyPr>
+          <a:lstStyle/>
+          <a:p>
+            <a:r>
+              <a:t>Q - 12  தக்காளி மற்றும் எலுமிச்சையில் சூல்ஒட்டுமுறை</a:t>
+            </a:r>
+          </a:p>
+          <a:p>
+            <a:endParaRPr/>
+          </a:p>
+          <a:p>
+            <a:r>
+              <a:t>அ) விளிம்பு சூல்  ஒட்டுமுறை</a:t>
+            </a:r>
+          </a:p>
+          <a:p>
+            <a:endParaRPr/>
+          </a:p>
+          <a:p>
+            <a:r>
+              <a:t>ஆ) ஆச்சு  சூல்  ஒட்டுமுறை</a:t>
+            </a:r>
+          </a:p>
+          <a:p>
+            <a:endParaRPr/>
+          </a:p>
+          <a:p>
+            <a:r>
+              <a:t>இ) சுவர் சூல்  ஒட்டுமுறை</a:t>
+            </a:r>
+          </a:p>
+          <a:p>
+            <a:endParaRPr/>
+          </a:p>
+          <a:p>
+            <a:r>
+              <a:t>ஈ) தனித்த மைய சூல்  ஒட்டுமுறை</a:t>
+            </a:r>
+          </a:p>
+        </p:txBody>
+      </p:sp>
+    </p:spTree>
+  </p:cSld>
+  <p:clrMapOvr>
+    <a:masterClrMapping/>
+  </p:clrMapOvr>
+</p:sld>
+</file>
+
+<file path=ppt/slides/slide22.xml><?xml version="1.0" encoding="utf-8"?>
+<p:sld xmlns:a="http://schemas.openxmlformats.org/drawingml/2006/main" xmlns:r="http://schemas.openxmlformats.org/officeDocument/2006/relationships" xmlns:p="http://schemas.openxmlformats.org/presentationml/2006/main">
+  <p:cSld>
+    <p:spTree>
+      <p:nvGrpSpPr>
+        <p:cNvPr id="1" name=""/>
+        <p:cNvGrpSpPr/>
+        <p:nvPr/>
+      </p:nvGrpSpPr>
+      <p:grpSpPr>
+        <a:xfrm>
+          <a:off x="0" y="0"/>
+          <a:ext cx="0" cy="0"/>
+          <a:chOff x="0" y="0"/>
+          <a:chExt cx="0" cy="0"/>
+        </a:xfrm>
+      </p:grpSpPr>
+      <p:sp>
+        <p:nvSpPr>
+          <p:cNvPr id="2" name="Rectangle 1"/>
+          <p:cNvSpPr/>
+          <p:nvPr/>
+        </p:nvSpPr>
+        <p:spPr>
+          <a:xfrm>
+            <a:off x="0" y="457200"/>
+            <a:ext cx="9144000" cy="457200"/>
+          </a:xfrm>
+          <a:prstGeom prst="rect">
+            <a:avLst/>
+          </a:prstGeom>
+          <a:solidFill>
+            <a:srgbClr val="FF0000"/>
+          </a:solidFill>
+          <a:ln>
+            <a:solidFill>
+              <a:srgbClr val="FF0000"/>
+            </a:solidFill>
+          </a:ln>
+          <a:effectLst/>
+        </p:spPr>
+        <p:style>
+          <a:lnRef idx="1">
+            <a:schemeClr val="accent1"/>
+          </a:lnRef>
+          <a:fillRef idx="3">
+            <a:schemeClr val="accent1"/>
+          </a:fillRef>
+          <a:effectRef idx="2">
+            <a:schemeClr val="accent1"/>
+          </a:effectRef>
+          <a:fontRef idx="minor">
+            <a:schemeClr val="lt1"/>
+          </a:fontRef>
+        </p:style>
+        <p:txBody>
+          <a:bodyPr rtlCol="0" anchor="ctr"/>
+          <a:lstStyle/>
+          <a:p>
+            <a:pPr algn="ctr"/>
+            <a:r>
+              <a:rPr sz="2400" b="1">
+                <a:latin typeface="Calibri"/>
+              </a:rPr>
+              <a:t>11th Std - Questions</a:t>
+            </a:r>
+          </a:p>
+        </p:txBody>
+      </p:sp>
+      <p:sp>
+        <p:nvSpPr>
+          <p:cNvPr id="3" name="TextBox 2"/>
+          <p:cNvSpPr txBox="1"/>
+          <p:nvPr/>
+        </p:nvSpPr>
+        <p:spPr>
+          <a:xfrm>
+            <a:off x="457200" y="1371600"/>
+            <a:ext cx="7315200" cy="3657600"/>
+          </a:xfrm>
+          <a:prstGeom prst="rect">
+            <a:avLst/>
+          </a:prstGeom>
+          <a:noFill/>
+        </p:spPr>
+        <p:txBody>
+          <a:bodyPr wrap="square">
+            <a:spAutoFit/>
+          </a:bodyPr>
+          <a:lstStyle/>
+          <a:p>
+            <a:r>
+              <a:t>Q - 12  தக்காளி மற்றும் எலுமிச்சையில் சூல்ஒட்டுமுறை</a:t>
+            </a:r>
+          </a:p>
+          <a:p>
+            <a:endParaRPr/>
+          </a:p>
+          <a:p>
+            <a:pPr>
+              <a:defRPr sz="2400" b="1">
+                <a:solidFill>
+                  <a:srgbClr val="00FF00"/>
+                </a:solidFill>
+                <a:latin typeface="Calibri"/>
+              </a:defRPr>
+            </a:pPr>
+            <a:r>
+              <a:t>ஆ) ஆச்சு  சூல்  ஒட்டுமுறை</a:t>
+            </a:r>
+          </a:p>
+        </p:txBody>
+      </p:sp>
+    </p:spTree>
+  </p:cSld>
+  <p:clrMapOvr>
+    <a:masterClrMapping/>
+  </p:clrMapOvr>
+</p:sld>
+</file>
+
+<file path=ppt/slides/slide23.xml><?xml version="1.0" encoding="utf-8"?>
+<p:sld xmlns:a="http://schemas.openxmlformats.org/drawingml/2006/main" xmlns:r="http://schemas.openxmlformats.org/officeDocument/2006/relationships" xmlns:p="http://schemas.openxmlformats.org/presentationml/2006/main">
+  <p:cSld>
+    <p:spTree>
+      <p:nvGrpSpPr>
+        <p:cNvPr id="1" name=""/>
+        <p:cNvGrpSpPr/>
+        <p:nvPr/>
+      </p:nvGrpSpPr>
+      <p:grpSpPr>
+        <a:xfrm>
+          <a:off x="0" y="0"/>
+          <a:ext cx="0" cy="0"/>
+          <a:chOff x="0" y="0"/>
+          <a:chExt cx="0" cy="0"/>
+        </a:xfrm>
+      </p:grpSpPr>
+      <p:sp>
+        <p:nvSpPr>
+          <p:cNvPr id="2" name="Rectangle 1"/>
+          <p:cNvSpPr/>
+          <p:nvPr/>
+        </p:nvSpPr>
+        <p:spPr>
+          <a:xfrm>
+            <a:off x="0" y="457200"/>
+            <a:ext cx="9144000" cy="457200"/>
+          </a:xfrm>
+          <a:prstGeom prst="rect">
+            <a:avLst/>
+          </a:prstGeom>
+          <a:solidFill>
+            <a:srgbClr val="FF0000"/>
+          </a:solidFill>
+          <a:ln>
+            <a:solidFill>
+              <a:srgbClr val="FF0000"/>
+            </a:solidFill>
+          </a:ln>
+          <a:effectLst/>
+        </p:spPr>
+        <p:style>
+          <a:lnRef idx="1">
+            <a:schemeClr val="accent1"/>
+          </a:lnRef>
+          <a:fillRef idx="3">
+            <a:schemeClr val="accent1"/>
+          </a:fillRef>
+          <a:effectRef idx="2">
+            <a:schemeClr val="accent1"/>
+          </a:effectRef>
+          <a:fontRef idx="minor">
+            <a:schemeClr val="lt1"/>
+          </a:fontRef>
+        </p:style>
+        <p:txBody>
+          <a:bodyPr rtlCol="0" anchor="ctr"/>
+          <a:lstStyle/>
+          <a:p>
+            <a:pPr algn="ctr"/>
+            <a:r>
+              <a:rPr sz="2400" b="1">
+                <a:latin typeface="Calibri"/>
+              </a:rPr>
+              <a:t>11th Std - Questions</a:t>
+            </a:r>
+          </a:p>
+        </p:txBody>
+      </p:sp>
+      <p:sp>
+        <p:nvSpPr>
+          <p:cNvPr id="3" name="TextBox 2"/>
+          <p:cNvSpPr txBox="1"/>
+          <p:nvPr/>
+        </p:nvSpPr>
+        <p:spPr>
+          <a:xfrm>
+            <a:off x="457200" y="1371600"/>
+            <a:ext cx="7315200" cy="3657600"/>
+          </a:xfrm>
+          <a:prstGeom prst="rect">
+            <a:avLst/>
+          </a:prstGeom>
+          <a:noFill/>
+        </p:spPr>
+        <p:txBody>
+          <a:bodyPr wrap="square">
+            <a:spAutoFit/>
+          </a:bodyPr>
+          <a:lstStyle/>
+          <a:p>
+            <a:r>
+              <a:t>Q - 13  வெக்ஸில்லரி இதழமைவு எக்குடும்பத்தின் சிறப்பமைவு</a:t>
+            </a:r>
+          </a:p>
+          <a:p>
+            <a:endParaRPr/>
+          </a:p>
+          <a:p>
+            <a:r>
+              <a:t>அ) சொலானேசி</a:t>
+            </a:r>
+          </a:p>
+          <a:p>
+            <a:endParaRPr/>
+          </a:p>
+          <a:p>
+            <a:r>
+              <a:t>ஆ) பிராஸ்ஸிக்கேசி</a:t>
+            </a:r>
+          </a:p>
+          <a:p>
+            <a:endParaRPr/>
+          </a:p>
+          <a:p>
+            <a:r>
+              <a:t>இ) ஃபேபேசி</a:t>
+            </a:r>
+          </a:p>
+          <a:p>
+            <a:endParaRPr/>
+          </a:p>
+          <a:p>
+            <a:r>
+              <a:t>ஈ) ஆஸ்டரேசி</a:t>
+            </a:r>
+          </a:p>
+        </p:txBody>
+      </p:sp>
+    </p:spTree>
+  </p:cSld>
+  <p:clrMapOvr>
+    <a:masterClrMapping/>
+  </p:clrMapOvr>
+</p:sld>
+</file>
+
+<file path=ppt/slides/slide24.xml><?xml version="1.0" encoding="utf-8"?>
+<p:sld xmlns:a="http://schemas.openxmlformats.org/drawingml/2006/main" xmlns:r="http://schemas.openxmlformats.org/officeDocument/2006/relationships" xmlns:p="http://schemas.openxmlformats.org/presentationml/2006/main">
+  <p:cSld>
+    <p:spTree>
+      <p:nvGrpSpPr>
+        <p:cNvPr id="1" name=""/>
+        <p:cNvGrpSpPr/>
+        <p:nvPr/>
+      </p:nvGrpSpPr>
+      <p:grpSpPr>
+        <a:xfrm>
+          <a:off x="0" y="0"/>
+          <a:ext cx="0" cy="0"/>
+          <a:chOff x="0" y="0"/>
+          <a:chExt cx="0" cy="0"/>
+        </a:xfrm>
+      </p:grpSpPr>
+      <p:sp>
+        <p:nvSpPr>
+          <p:cNvPr id="2" name="Rectangle 1"/>
+          <p:cNvSpPr/>
+          <p:nvPr/>
+        </p:nvSpPr>
+        <p:spPr>
+          <a:xfrm>
+            <a:off x="0" y="457200"/>
+            <a:ext cx="9144000" cy="457200"/>
+          </a:xfrm>
+          <a:prstGeom prst="rect">
+            <a:avLst/>
+          </a:prstGeom>
+          <a:solidFill>
+            <a:srgbClr val="FF0000"/>
+          </a:solidFill>
+          <a:ln>
+            <a:solidFill>
+              <a:srgbClr val="FF0000"/>
+            </a:solidFill>
+          </a:ln>
+          <a:effectLst/>
+        </p:spPr>
+        <p:style>
+          <a:lnRef idx="1">
+            <a:schemeClr val="accent1"/>
+          </a:lnRef>
+          <a:fillRef idx="3">
+            <a:schemeClr val="accent1"/>
+          </a:fillRef>
+          <a:effectRef idx="2">
+            <a:schemeClr val="accent1"/>
+          </a:effectRef>
+          <a:fontRef idx="minor">
+            <a:schemeClr val="lt1"/>
+          </a:fontRef>
+        </p:style>
+        <p:txBody>
+          <a:bodyPr rtlCol="0" anchor="ctr"/>
+          <a:lstStyle/>
+          <a:p>
+            <a:pPr algn="ctr"/>
+            <a:r>
+              <a:rPr sz="2400" b="1">
+                <a:latin typeface="Calibri"/>
+              </a:rPr>
+              <a:t>11th Std - Questions</a:t>
+            </a:r>
+          </a:p>
+        </p:txBody>
+      </p:sp>
+      <p:sp>
+        <p:nvSpPr>
+          <p:cNvPr id="3" name="TextBox 2"/>
+          <p:cNvSpPr txBox="1"/>
+          <p:nvPr/>
+        </p:nvSpPr>
+        <p:spPr>
+          <a:xfrm>
+            <a:off x="457200" y="1371600"/>
+            <a:ext cx="7315200" cy="3657600"/>
+          </a:xfrm>
+          <a:prstGeom prst="rect">
+            <a:avLst/>
+          </a:prstGeom>
+          <a:noFill/>
+        </p:spPr>
+        <p:txBody>
+          <a:bodyPr wrap="square">
+            <a:spAutoFit/>
+          </a:bodyPr>
+          <a:lstStyle/>
+          <a:p>
+            <a:r>
+              <a:t>Q - 13  வெக்ஸில்லரி இதழமைவு எக்குடும்பத்தின் சிறப்பமைவு</a:t>
+            </a:r>
+          </a:p>
+          <a:p>
+            <a:endParaRPr/>
+          </a:p>
+          <a:p>
+            <a:pPr>
+              <a:defRPr sz="2400" b="1">
+                <a:solidFill>
+                  <a:srgbClr val="00FF00"/>
+                </a:solidFill>
+                <a:latin typeface="Calibri"/>
+              </a:defRPr>
+            </a:pPr>
+            <a:r>
+              <a:t>இ) ஃபேபேசி</a:t>
+            </a:r>
+          </a:p>
+        </p:txBody>
+      </p:sp>
+    </p:spTree>
+  </p:cSld>
+  <p:clrMapOvr>
+    <a:masterClrMapping/>
+  </p:clrMapOvr>
+</p:sld>
+</file>
+
+<file path=ppt/slides/slide25.xml><?xml version="1.0" encoding="utf-8"?>
+<p:sld xmlns:a="http://schemas.openxmlformats.org/drawingml/2006/main" xmlns:r="http://schemas.openxmlformats.org/officeDocument/2006/relationships" xmlns:p="http://schemas.openxmlformats.org/presentationml/2006/main">
+  <p:cSld>
+    <p:spTree>
+      <p:nvGrpSpPr>
+        <p:cNvPr id="1" name=""/>
+        <p:cNvGrpSpPr/>
+        <p:nvPr/>
+      </p:nvGrpSpPr>
+      <p:grpSpPr>
+        <a:xfrm>
+          <a:off x="0" y="0"/>
+          <a:ext cx="0" cy="0"/>
+          <a:chOff x="0" y="0"/>
+          <a:chExt cx="0" cy="0"/>
+        </a:xfrm>
+      </p:grpSpPr>
+      <p:sp>
+        <p:nvSpPr>
+          <p:cNvPr id="2" name="Rectangle 1"/>
+          <p:cNvSpPr/>
+          <p:nvPr/>
+        </p:nvSpPr>
+        <p:spPr>
+          <a:xfrm>
+            <a:off x="0" y="457200"/>
+            <a:ext cx="9144000" cy="457200"/>
+          </a:xfrm>
+          <a:prstGeom prst="rect">
+            <a:avLst/>
+          </a:prstGeom>
+          <a:solidFill>
+            <a:srgbClr val="FF0000"/>
+          </a:solidFill>
+          <a:ln>
+            <a:solidFill>
+              <a:srgbClr val="FF0000"/>
+            </a:solidFill>
+          </a:ln>
+          <a:effectLst/>
+        </p:spPr>
+        <p:style>
+          <a:lnRef idx="1">
+            <a:schemeClr val="accent1"/>
+          </a:lnRef>
+          <a:fillRef idx="3">
+            <a:schemeClr val="accent1"/>
+          </a:fillRef>
+          <a:effectRef idx="2">
+            <a:schemeClr val="accent1"/>
+          </a:effectRef>
+          <a:fontRef idx="minor">
+            <a:schemeClr val="lt1"/>
+          </a:fontRef>
+        </p:style>
+        <p:txBody>
+          <a:bodyPr rtlCol="0" anchor="ctr"/>
+          <a:lstStyle/>
+          <a:p>
+            <a:pPr algn="ctr"/>
+            <a:r>
+              <a:rPr sz="2400" b="1">
+                <a:latin typeface="Calibri"/>
+              </a:rPr>
+              <a:t>11th Std - Questions</a:t>
+            </a:r>
+          </a:p>
+        </p:txBody>
+      </p:sp>
+      <p:sp>
+        <p:nvSpPr>
+          <p:cNvPr id="3" name="TextBox 2"/>
+          <p:cNvSpPr txBox="1"/>
+          <p:nvPr/>
+        </p:nvSpPr>
+        <p:spPr>
+          <a:xfrm>
+            <a:off x="457200" y="1371600"/>
+            <a:ext cx="7315200" cy="3657600"/>
+          </a:xfrm>
+          <a:prstGeom prst="rect">
+            <a:avLst/>
+          </a:prstGeom>
+          <a:noFill/>
+        </p:spPr>
+        <p:txBody>
+          <a:bodyPr wrap="square">
+            <a:spAutoFit/>
+          </a:bodyPr>
+          <a:lstStyle/>
+          <a:p>
+            <a:r>
+              <a:t>Q - 14  இலைத்தொழில்காப்பு (Phyllode) இதில் காணப்படுகிறது</a:t>
+            </a:r>
+          </a:p>
+          <a:p>
+            <a:endParaRPr/>
+          </a:p>
+          <a:p>
+            <a:r>
+              <a:t>அ) ஆஸ்திரேலியா அக்கேசியா</a:t>
+            </a:r>
+          </a:p>
+          <a:p>
+            <a:endParaRPr/>
+          </a:p>
+          <a:p>
+            <a:r>
+              <a:t>ஆ) ஓபன்ஷியா</a:t>
+            </a:r>
+          </a:p>
+          <a:p>
+            <a:endParaRPr/>
+          </a:p>
+          <a:p>
+            <a:r>
+              <a:t>இ) ஆஸ்பரகஸ்</a:t>
+            </a:r>
+          </a:p>
+          <a:p>
+            <a:endParaRPr/>
+          </a:p>
+          <a:p>
+            <a:r>
+              <a:t>ஈ) யூபோர்ஃபியா</a:t>
+            </a:r>
+          </a:p>
+        </p:txBody>
+      </p:sp>
+    </p:spTree>
+  </p:cSld>
+  <p:clrMapOvr>
+    <a:masterClrMapping/>
+  </p:clrMapOvr>
+</p:sld>
+</file>
+
+<file path=ppt/slides/slide26.xml><?xml version="1.0" encoding="utf-8"?>
+<p:sld xmlns:a="http://schemas.openxmlformats.org/drawingml/2006/main" xmlns:r="http://schemas.openxmlformats.org/officeDocument/2006/relationships" xmlns:p="http://schemas.openxmlformats.org/presentationml/2006/main">
+  <p:cSld>
+    <p:spTree>
+      <p:nvGrpSpPr>
+        <p:cNvPr id="1" name=""/>
+        <p:cNvGrpSpPr/>
+        <p:nvPr/>
+      </p:nvGrpSpPr>
+      <p:grpSpPr>
+        <a:xfrm>
+          <a:off x="0" y="0"/>
+          <a:ext cx="0" cy="0"/>
+          <a:chOff x="0" y="0"/>
+          <a:chExt cx="0" cy="0"/>
+        </a:xfrm>
+      </p:grpSpPr>
+      <p:sp>
+        <p:nvSpPr>
+          <p:cNvPr id="2" name="Rectangle 1"/>
+          <p:cNvSpPr/>
+          <p:nvPr/>
+        </p:nvSpPr>
+        <p:spPr>
+          <a:xfrm>
+            <a:off x="0" y="457200"/>
+            <a:ext cx="9144000" cy="457200"/>
+          </a:xfrm>
+          <a:prstGeom prst="rect">
+            <a:avLst/>
+          </a:prstGeom>
+          <a:solidFill>
+            <a:srgbClr val="FF0000"/>
+          </a:solidFill>
+          <a:ln>
+            <a:solidFill>
+              <a:srgbClr val="FF0000"/>
+            </a:solidFill>
+          </a:ln>
+          <a:effectLst/>
+        </p:spPr>
+        <p:style>
+          <a:lnRef idx="1">
+            <a:schemeClr val="accent1"/>
+          </a:lnRef>
+          <a:fillRef idx="3">
+            <a:schemeClr val="accent1"/>
+          </a:fillRef>
+          <a:effectRef idx="2">
+            <a:schemeClr val="accent1"/>
+          </a:effectRef>
+          <a:fontRef idx="minor">
+            <a:schemeClr val="lt1"/>
+          </a:fontRef>
+        </p:style>
+        <p:txBody>
+          <a:bodyPr rtlCol="0" anchor="ctr"/>
+          <a:lstStyle/>
+          <a:p>
+            <a:pPr algn="ctr"/>
+            <a:r>
+              <a:rPr sz="2400" b="1">
+                <a:latin typeface="Calibri"/>
+              </a:rPr>
+              <a:t>11th Std - Questions</a:t>
+            </a:r>
+          </a:p>
+        </p:txBody>
+      </p:sp>
+      <p:sp>
+        <p:nvSpPr>
+          <p:cNvPr id="3" name="TextBox 2"/>
+          <p:cNvSpPr txBox="1"/>
+          <p:nvPr/>
+        </p:nvSpPr>
+        <p:spPr>
+          <a:xfrm>
+            <a:off x="457200" y="1371600"/>
+            <a:ext cx="7315200" cy="3657600"/>
+          </a:xfrm>
+          <a:prstGeom prst="rect">
+            <a:avLst/>
+          </a:prstGeom>
+          <a:noFill/>
+        </p:spPr>
+        <p:txBody>
+          <a:bodyPr wrap="square">
+            <a:spAutoFit/>
+          </a:bodyPr>
+          <a:lstStyle/>
+          <a:p>
+            <a:r>
+              <a:t>Q - 14  இலைத்தொழில்காப்பு (Phyllode) இதில் காணப்படுகிறது</a:t>
+            </a:r>
+          </a:p>
+          <a:p>
+            <a:endParaRPr/>
+          </a:p>
+          <a:p>
+            <a:pPr>
+              <a:defRPr sz="2400" b="1">
+                <a:solidFill>
+                  <a:srgbClr val="00FF00"/>
+                </a:solidFill>
+                <a:latin typeface="Calibri"/>
+              </a:defRPr>
+            </a:pPr>
+            <a:r>
+              <a:t>அ) ஆஸ்திரேலியா அக்கேசியா</a:t>
+            </a:r>
+          </a:p>
+        </p:txBody>
+      </p:sp>
+    </p:spTree>
+  </p:cSld>
+  <p:clrMapOvr>
+    <a:masterClrMapping/>
+  </p:clrMapOvr>
+</p:sld>
+</file>
+
+<file path=ppt/slides/slide27.xml><?xml version="1.0" encoding="utf-8"?>
+<p:sld xmlns:a="http://schemas.openxmlformats.org/drawingml/2006/main" xmlns:r="http://schemas.openxmlformats.org/officeDocument/2006/relationships" xmlns:p="http://schemas.openxmlformats.org/presentationml/2006/main">
+  <p:cSld>
+    <p:spTree>
+      <p:nvGrpSpPr>
+        <p:cNvPr id="1" name=""/>
+        <p:cNvGrpSpPr/>
+        <p:nvPr/>
+      </p:nvGrpSpPr>
+      <p:grpSpPr>
+        <a:xfrm>
+          <a:off x="0" y="0"/>
+          <a:ext cx="0" cy="0"/>
+          <a:chOff x="0" y="0"/>
+          <a:chExt cx="0" cy="0"/>
+        </a:xfrm>
+      </p:grpSpPr>
+      <p:sp>
+        <p:nvSpPr>
+          <p:cNvPr id="2" name="Rectangle 1"/>
+          <p:cNvSpPr/>
+          <p:nvPr/>
+        </p:nvSpPr>
+        <p:spPr>
+          <a:xfrm>
+            <a:off x="0" y="457200"/>
+            <a:ext cx="9144000" cy="457200"/>
+          </a:xfrm>
+          <a:prstGeom prst="rect">
+            <a:avLst/>
+          </a:prstGeom>
+          <a:solidFill>
+            <a:srgbClr val="FF0000"/>
+          </a:solidFill>
+          <a:ln>
+            <a:solidFill>
+              <a:srgbClr val="FF0000"/>
+            </a:solidFill>
+          </a:ln>
+          <a:effectLst/>
+        </p:spPr>
+        <p:style>
+          <a:lnRef idx="1">
+            <a:schemeClr val="accent1"/>
+          </a:lnRef>
+          <a:fillRef idx="3">
+            <a:schemeClr val="accent1"/>
+          </a:fillRef>
+          <a:effectRef idx="2">
+            <a:schemeClr val="accent1"/>
+          </a:effectRef>
+          <a:fontRef idx="minor">
+            <a:schemeClr val="lt1"/>
+          </a:fontRef>
+        </p:style>
+        <p:txBody>
+          <a:bodyPr rtlCol="0" anchor="ctr"/>
+          <a:lstStyle/>
+          <a:p>
+            <a:pPr algn="ctr"/>
+            <a:r>
+              <a:rPr sz="2400" b="1">
+                <a:latin typeface="Calibri"/>
+              </a:rPr>
+              <a:t>11th Std - Questions</a:t>
+            </a:r>
+          </a:p>
+        </p:txBody>
+      </p:sp>
+      <p:sp>
+        <p:nvSpPr>
+          <p:cNvPr id="3" name="TextBox 2"/>
+          <p:cNvSpPr txBox="1"/>
+          <p:nvPr/>
+        </p:nvSpPr>
+        <p:spPr>
+          <a:xfrm>
+            <a:off x="457200" y="1371600"/>
+            <a:ext cx="7315200" cy="3657600"/>
+          </a:xfrm>
+          <a:prstGeom prst="rect">
+            <a:avLst/>
+          </a:prstGeom>
+          <a:noFill/>
+        </p:spPr>
+        <p:txBody>
+          <a:bodyPr wrap="square">
+            <a:spAutoFit/>
+          </a:bodyPr>
+          <a:lstStyle/>
+          <a:p>
+            <a:r>
+              <a:t>Q - 15  கீழே கொடுக்கப்பட்டுள்ள பட்டியலில் எத்தனை தாவரம் கூட்டுக்கனிகளை மச்சரியிலிருந்து உருவாக்குகிறது? வால்நட், கசகசா, முள்ளங்கி, அத்தி, அன்னாசி, ஆப்பிள், தக்காளி, மல்பெரி</a:t>
+            </a:r>
+          </a:p>
+          <a:p>
+            <a:endParaRPr/>
+          </a:p>
+          <a:p>
+            <a:r>
+              <a:t>அ) இரண்டு</a:t>
+            </a:r>
+          </a:p>
+          <a:p>
+            <a:endParaRPr/>
+          </a:p>
+          <a:p>
+            <a:r>
+              <a:t>ஆ) மூன்று</a:t>
+            </a:r>
+          </a:p>
+          <a:p>
+            <a:endParaRPr/>
+          </a:p>
+          <a:p>
+            <a:r>
+              <a:t>இ) நான்கு</a:t>
+            </a:r>
+          </a:p>
+          <a:p>
+            <a:endParaRPr/>
+          </a:p>
+          <a:p>
+            <a:r>
+              <a:t>ஈ) ஐந்து</a:t>
+            </a:r>
+          </a:p>
+        </p:txBody>
+      </p:sp>
+    </p:spTree>
+  </p:cSld>
+  <p:clrMapOvr>
+    <a:masterClrMapping/>
+  </p:clrMapOvr>
+</p:sld>
+</file>
+
+<file path=ppt/slides/slide28.xml><?xml version="1.0" encoding="utf-8"?>
+<p:sld xmlns:a="http://schemas.openxmlformats.org/drawingml/2006/main" xmlns:r="http://schemas.openxmlformats.org/officeDocument/2006/relationships" xmlns:p="http://schemas.openxmlformats.org/presentationml/2006/main">
+  <p:cSld>
+    <p:spTree>
+      <p:nvGrpSpPr>
+        <p:cNvPr id="1" name=""/>
+        <p:cNvGrpSpPr/>
+        <p:nvPr/>
+      </p:nvGrpSpPr>
+      <p:grpSpPr>
+        <a:xfrm>
+          <a:off x="0" y="0"/>
+          <a:ext cx="0" cy="0"/>
+          <a:chOff x="0" y="0"/>
+          <a:chExt cx="0" cy="0"/>
+        </a:xfrm>
+      </p:grpSpPr>
+      <p:sp>
+        <p:nvSpPr>
+          <p:cNvPr id="2" name="Rectangle 1"/>
+          <p:cNvSpPr/>
+          <p:nvPr/>
+        </p:nvSpPr>
+        <p:spPr>
+          <a:xfrm>
+            <a:off x="0" y="457200"/>
+            <a:ext cx="9144000" cy="457200"/>
+          </a:xfrm>
+          <a:prstGeom prst="rect">
+            <a:avLst/>
+          </a:prstGeom>
+          <a:solidFill>
+            <a:srgbClr val="FF0000"/>
+          </a:solidFill>
+          <a:ln>
+            <a:solidFill>
+              <a:srgbClr val="FF0000"/>
+            </a:solidFill>
+          </a:ln>
+          <a:effectLst/>
+        </p:spPr>
+        <p:style>
+          <a:lnRef idx="1">
+            <a:schemeClr val="accent1"/>
+          </a:lnRef>
+          <a:fillRef idx="3">
+            <a:schemeClr val="accent1"/>
+          </a:fillRef>
+          <a:effectRef idx="2">
+            <a:schemeClr val="accent1"/>
+          </a:effectRef>
+          <a:fontRef idx="minor">
+            <a:schemeClr val="lt1"/>
+          </a:fontRef>
+        </p:style>
+        <p:txBody>
+          <a:bodyPr rtlCol="0" anchor="ctr"/>
+          <a:lstStyle/>
+          <a:p>
+            <a:pPr algn="ctr"/>
+            <a:r>
+              <a:rPr sz="2400" b="1">
+                <a:latin typeface="Calibri"/>
+              </a:rPr>
+              <a:t>11th Std - Questions</a:t>
+            </a:r>
+          </a:p>
+        </p:txBody>
+      </p:sp>
+      <p:sp>
+        <p:nvSpPr>
+          <p:cNvPr id="3" name="TextBox 2"/>
+          <p:cNvSpPr txBox="1"/>
+          <p:nvPr/>
+        </p:nvSpPr>
+        <p:spPr>
+          <a:xfrm>
+            <a:off x="457200" y="1371600"/>
+            <a:ext cx="7315200" cy="3657600"/>
+          </a:xfrm>
+          <a:prstGeom prst="rect">
+            <a:avLst/>
+          </a:prstGeom>
+          <a:noFill/>
+        </p:spPr>
+        <p:txBody>
+          <a:bodyPr wrap="square">
+            <a:spAutoFit/>
+          </a:bodyPr>
+          <a:lstStyle/>
+          <a:p>
+            <a:r>
+              <a:t>Q - 15  கீழே கொடுக்கப்பட்டுள்ள பட்டியலில் எத்தனை தாவரம் கூட்டுக்கனிகளை மச்சரியிலிருந்து உருவாக்குகிறது? வால்நட், கசகசா, முள்ளங்கி, அத்தி, அன்னாசி, ஆப்பிள், தக்காளி, மல்பெரி</a:t>
+            </a:r>
+          </a:p>
+          <a:p>
+            <a:endParaRPr/>
+          </a:p>
+          <a:p>
+            <a:pPr>
+              <a:defRPr sz="2400" b="1">
+                <a:solidFill>
+                  <a:srgbClr val="00FF00"/>
+                </a:solidFill>
+                <a:latin typeface="Calibri"/>
+              </a:defRPr>
+            </a:pPr>
+            <a:r>
+              <a:t>ஆ) மூன்று</a:t>
+            </a:r>
+          </a:p>
+        </p:txBody>
+      </p:sp>
+    </p:spTree>
+  </p:cSld>
+  <p:clrMapOvr>
+    <a:masterClrMapping/>
+  </p:clrMapOvr>
+</p:sld>
+</file>
+
+<file path=ppt/slides/slide3.xml><?xml version="1.0" encoding="utf-8"?>
+<p:sld xmlns:a="http://schemas.openxmlformats.org/drawingml/2006/main" xmlns:r="http://schemas.openxmlformats.org/officeDocument/2006/relationships" xmlns:p="http://schemas.openxmlformats.org/presentationml/2006/main">
+  <p:cSld>
+    <p:spTree>
+      <p:nvGrpSpPr>
+        <p:cNvPr id="1" name=""/>
+        <p:cNvGrpSpPr/>
+        <p:nvPr/>
+      </p:nvGrpSpPr>
+      <p:grpSpPr>
+        <a:xfrm>
+          <a:off x="0" y="0"/>
+          <a:ext cx="0" cy="0"/>
+          <a:chOff x="0" y="0"/>
+          <a:chExt cx="0" cy="0"/>
+        </a:xfrm>
+      </p:grpSpPr>
+      <p:sp>
+        <p:nvSpPr>
+          <p:cNvPr id="2" name="Rectangle 1"/>
+          <p:cNvSpPr/>
+          <p:nvPr/>
+        </p:nvSpPr>
+        <p:spPr>
+          <a:xfrm>
+            <a:off x="0" y="457200"/>
+            <a:ext cx="9144000" cy="457200"/>
+          </a:xfrm>
+          <a:prstGeom prst="rect">
+            <a:avLst/>
+          </a:prstGeom>
+          <a:solidFill>
+            <a:srgbClr val="FF0000"/>
+          </a:solidFill>
+          <a:ln>
+            <a:solidFill>
+              <a:srgbClr val="FF0000"/>
+            </a:solidFill>
+          </a:ln>
+          <a:effectLst/>
+        </p:spPr>
+        <p:style>
+          <a:lnRef idx="1">
+            <a:schemeClr val="accent1"/>
+          </a:lnRef>
+          <a:fillRef idx="3">
+            <a:schemeClr val="accent1"/>
+          </a:fillRef>
+          <a:effectRef idx="2">
+            <a:schemeClr val="accent1"/>
+          </a:effectRef>
+          <a:fontRef idx="minor">
+            <a:schemeClr val="lt1"/>
+          </a:fontRef>
+        </p:style>
+        <p:txBody>
+          <a:bodyPr rtlCol="0" anchor="ctr"/>
+          <a:lstStyle/>
+          <a:p>
+            <a:pPr algn="ctr"/>
+            <a:r>
+              <a:rPr sz="2400" b="1">
+                <a:latin typeface="Calibri"/>
+              </a:rPr>
+              <a:t>11th Std - Questions</a:t>
+            </a:r>
+          </a:p>
+        </p:txBody>
+      </p:sp>
+      <p:sp>
+        <p:nvSpPr>
+          <p:cNvPr id="3" name="TextBox 2"/>
+          <p:cNvSpPr txBox="1"/>
+          <p:nvPr/>
+        </p:nvSpPr>
+        <p:spPr>
+          <a:xfrm>
+            <a:off x="457200" y="1371600"/>
+            <a:ext cx="7315200" cy="3657600"/>
+          </a:xfrm>
+          <a:prstGeom prst="rect">
+            <a:avLst/>
+          </a:prstGeom>
+          <a:noFill/>
+        </p:spPr>
+        <p:txBody>
+          <a:bodyPr wrap="square">
+            <a:spAutoFit/>
+          </a:bodyPr>
+          <a:lstStyle/>
+          <a:p>
+            <a:r>
+              <a:t>Q - 3  பெரிகைனஸ் (சூலகச்சூழ் மலர்) மலர்கள் இதில் காணப்படுகிறது</a:t>
+            </a:r>
+          </a:p>
+          <a:p>
+            <a:endParaRPr/>
+          </a:p>
+          <a:p>
+            <a:r>
+              <a:t>அ) ரோஜா</a:t>
+            </a:r>
+          </a:p>
+          <a:p>
+            <a:endParaRPr/>
+          </a:p>
+          <a:p>
+            <a:r>
+              <a:t>ஆ) கொய்யா</a:t>
+            </a:r>
+          </a:p>
+          <a:p>
+            <a:endParaRPr/>
+          </a:p>
+          <a:p>
+            <a:r>
+              <a:t>இ) வெள்ளரி</a:t>
+            </a:r>
+          </a:p>
+          <a:p>
+            <a:endParaRPr/>
+          </a:p>
+          <a:p>
+            <a:r>
+              <a:t>ஈ) சீன ரோஜா</a:t>
+            </a:r>
+          </a:p>
+        </p:txBody>
+      </p:sp>
+    </p:spTree>
+  </p:cSld>
+  <p:clrMapOvr>
+    <a:masterClrMapping/>
+  </p:clrMapOvr>
+</p:sld>
+</file>
+
+<file path=ppt/slides/slide4.xml><?xml version="1.0" encoding="utf-8"?>
+<p:sld xmlns:a="http://schemas.openxmlformats.org/drawingml/2006/main" xmlns:r="http://schemas.openxmlformats.org/officeDocument/2006/relationships" xmlns:p="http://schemas.openxmlformats.org/presentationml/2006/main">
+  <p:cSld>
+    <p:spTree>
+      <p:nvGrpSpPr>
+        <p:cNvPr id="1" name=""/>
+        <p:cNvGrpSpPr/>
+        <p:nvPr/>
+      </p:nvGrpSpPr>
+      <p:grpSpPr>
+        <a:xfrm>
+          <a:off x="0" y="0"/>
+          <a:ext cx="0" cy="0"/>
+          <a:chOff x="0" y="0"/>
+          <a:chExt cx="0" cy="0"/>
+        </a:xfrm>
+      </p:grpSpPr>
+      <p:sp>
+        <p:nvSpPr>
+          <p:cNvPr id="2" name="Rectangle 1"/>
+          <p:cNvSpPr/>
+          <p:nvPr/>
+        </p:nvSpPr>
+        <p:spPr>
+          <a:xfrm>
+            <a:off x="0" y="457200"/>
+            <a:ext cx="9144000" cy="457200"/>
+          </a:xfrm>
+          <a:prstGeom prst="rect">
+            <a:avLst/>
+          </a:prstGeom>
+          <a:solidFill>
+            <a:srgbClr val="FF0000"/>
+          </a:solidFill>
+          <a:ln>
+            <a:solidFill>
+              <a:srgbClr val="FF0000"/>
+            </a:solidFill>
+          </a:ln>
+          <a:effectLst/>
+        </p:spPr>
+        <p:style>
+          <a:lnRef idx="1">
+            <a:schemeClr val="accent1"/>
+          </a:lnRef>
+          <a:fillRef idx="3">
+            <a:schemeClr val="accent1"/>
+          </a:fillRef>
+          <a:effectRef idx="2">
+            <a:schemeClr val="accent1"/>
+          </a:effectRef>
+          <a:fontRef idx="minor">
+            <a:schemeClr val="lt1"/>
+          </a:fontRef>
+        </p:style>
+        <p:txBody>
+          <a:bodyPr rtlCol="0" anchor="ctr"/>
+          <a:lstStyle/>
+          <a:p>
+            <a:pPr algn="ctr"/>
+            <a:r>
+              <a:rPr sz="2400" b="1">
+                <a:latin typeface="Calibri"/>
+              </a:rPr>
+              <a:t>11th Std - Questions</a:t>
+            </a:r>
+          </a:p>
+        </p:txBody>
+      </p:sp>
+      <p:sp>
+        <p:nvSpPr>
+          <p:cNvPr id="3" name="TextBox 2"/>
+          <p:cNvSpPr txBox="1"/>
+          <p:nvPr/>
+        </p:nvSpPr>
+        <p:spPr>
+          <a:xfrm>
+            <a:off x="457200" y="1371600"/>
+            <a:ext cx="7315200" cy="3657600"/>
+          </a:xfrm>
+          <a:prstGeom prst="rect">
+            <a:avLst/>
+          </a:prstGeom>
+          <a:noFill/>
+        </p:spPr>
+        <p:txBody>
+          <a:bodyPr wrap="square">
+            <a:spAutoFit/>
+          </a:bodyPr>
+          <a:lstStyle/>
+          <a:p>
+            <a:r>
+              <a:t>Q - 3  பெரிகைனஸ் (சூலகச்சூழ் மலர்) மலர்கள் இதில் காணப்படுகிறது</a:t>
+            </a:r>
+          </a:p>
+          <a:p>
+            <a:endParaRPr/>
+          </a:p>
+          <a:p>
+            <a:pPr>
+              <a:defRPr sz="2400" b="1">
+                <a:solidFill>
+                  <a:srgbClr val="00FF00"/>
+                </a:solidFill>
+                <a:latin typeface="Calibri"/>
+              </a:defRPr>
+            </a:pPr>
+            <a:r>
+              <a:t>அ) ரோஜா</a:t>
+            </a:r>
+          </a:p>
+        </p:txBody>
+      </p:sp>
+    </p:spTree>
+  </p:cSld>
+  <p:clrMapOvr>
+    <a:masterClrMapping/>
+  </p:clrMapOvr>
+</p:sld>
+</file>
+
+<file path=ppt/slides/slide5.xml><?xml version="1.0" encoding="utf-8"?>
+<p:sld xmlns:a="http://schemas.openxmlformats.org/drawingml/2006/main" xmlns:r="http://schemas.openxmlformats.org/officeDocument/2006/relationships" xmlns:p="http://schemas.openxmlformats.org/presentationml/2006/main">
+  <p:cSld>
+    <p:spTree>
+      <p:nvGrpSpPr>
+        <p:cNvPr id="1" name=""/>
+        <p:cNvGrpSpPr/>
+        <p:nvPr/>
+      </p:nvGrpSpPr>
+      <p:grpSpPr>
+        <a:xfrm>
+          <a:off x="0" y="0"/>
+          <a:ext cx="0" cy="0"/>
+          <a:chOff x="0" y="0"/>
+          <a:chExt cx="0" cy="0"/>
+        </a:xfrm>
+      </p:grpSpPr>
+      <p:sp>
+        <p:nvSpPr>
+          <p:cNvPr id="2" name="Rectangle 1"/>
+          <p:cNvSpPr/>
+          <p:nvPr/>
+        </p:nvSpPr>
+        <p:spPr>
+          <a:xfrm>
+            <a:off x="0" y="457200"/>
+            <a:ext cx="9144000" cy="457200"/>
+          </a:xfrm>
+          <a:prstGeom prst="rect">
+            <a:avLst/>
+          </a:prstGeom>
+          <a:solidFill>
+            <a:srgbClr val="FF0000"/>
+          </a:solidFill>
+          <a:ln>
+            <a:solidFill>
+              <a:srgbClr val="FF0000"/>
+            </a:solidFill>
+          </a:ln>
+          <a:effectLst/>
+        </p:spPr>
+        <p:style>
+          <a:lnRef idx="1">
+            <a:schemeClr val="accent1"/>
+          </a:lnRef>
+          <a:fillRef idx="3">
+            <a:schemeClr val="accent1"/>
+          </a:fillRef>
+          <a:effectRef idx="2">
+            <a:schemeClr val="accent1"/>
+          </a:effectRef>
+          <a:fontRef idx="minor">
+            <a:schemeClr val="lt1"/>
+          </a:fontRef>
+        </p:style>
+        <p:txBody>
+          <a:bodyPr rtlCol="0" anchor="ctr"/>
+          <a:lstStyle/>
+          <a:p>
+            <a:pPr algn="ctr"/>
+            <a:r>
+              <a:rPr sz="2400" b="1">
+                <a:latin typeface="Calibri"/>
+              </a:rPr>
+              <a:t>11th Std - Questions</a:t>
+            </a:r>
+          </a:p>
+        </p:txBody>
+      </p:sp>
+      <p:sp>
+        <p:nvSpPr>
+          <p:cNvPr id="3" name="TextBox 2"/>
+          <p:cNvSpPr txBox="1"/>
+          <p:nvPr/>
+        </p:nvSpPr>
+        <p:spPr>
+          <a:xfrm>
+            <a:off x="457200" y="1371600"/>
+            <a:ext cx="7315200" cy="3657600"/>
+          </a:xfrm>
+          <a:prstGeom prst="rect">
+            <a:avLst/>
+          </a:prstGeom>
+          <a:noFill/>
+        </p:spPr>
+        <p:txBody>
+          <a:bodyPr wrap="square">
+            <a:spAutoFit/>
+          </a:bodyPr>
+          <a:lstStyle/>
+          <a:p>
+            <a:r>
+              <a:t>Q - 4  கொடுக்கப்பட்டவைகளில் எந்த ஒரு கூற்று சரியானது</a:t>
+            </a:r>
+          </a:p>
+          <a:p>
+            <a:endParaRPr/>
+          </a:p>
+          <a:p>
+            <a:r>
+              <a:t>அ) பற்களின் விதைகளில் கருவூண் திசுக்கள் காணப்படுவதில்லை</a:t>
+            </a:r>
+          </a:p>
+          <a:p>
+            <a:endParaRPr/>
+          </a:p>
+          <a:p>
+            <a:r>
+              <a:t>ஆ) மா ஒரு கருவுறாக் கனியாகும்</a:t>
+            </a:r>
+          </a:p>
+          <a:p>
+            <a:endParaRPr/>
+          </a:p>
+          <a:p>
+            <a:r>
+              <a:t>இ) மக்காச்சோள விதைகளில் புரதத்தாலான அலுரான் அடுக்கு காணப்படுகிறது </a:t>
+            </a:r>
+          </a:p>
+          <a:p>
+            <a:endParaRPr/>
+          </a:p>
+          <a:p>
+            <a:r>
+              <a:t>ஈ) மலட்டு சூலகம், மலட்டு மகரந்தத்தாள்கள் என அழைக்கப்படுகிறது</a:t>
+            </a:r>
+          </a:p>
+        </p:txBody>
+      </p:sp>
+    </p:spTree>
+  </p:cSld>
+  <p:clrMapOvr>
+    <a:masterClrMapping/>
+  </p:clrMapOvr>
+</p:sld>
+</file>
+
+<file path=ppt/slides/slide6.xml><?xml version="1.0" encoding="utf-8"?>
+<p:sld xmlns:a="http://schemas.openxmlformats.org/drawingml/2006/main" xmlns:r="http://schemas.openxmlformats.org/officeDocument/2006/relationships" xmlns:p="http://schemas.openxmlformats.org/presentationml/2006/main">
+  <p:cSld>
+    <p:spTree>
+      <p:nvGrpSpPr>
+        <p:cNvPr id="1" name=""/>
+        <p:cNvGrpSpPr/>
+        <p:nvPr/>
+      </p:nvGrpSpPr>
+      <p:grpSpPr>
+        <a:xfrm>
+          <a:off x="0" y="0"/>
+          <a:ext cx="0" cy="0"/>
+          <a:chOff x="0" y="0"/>
+          <a:chExt cx="0" cy="0"/>
+        </a:xfrm>
+      </p:grpSpPr>
+      <p:sp>
+        <p:nvSpPr>
+          <p:cNvPr id="2" name="Rectangle 1"/>
+          <p:cNvSpPr/>
+          <p:nvPr/>
+        </p:nvSpPr>
+        <p:spPr>
+          <a:xfrm>
+            <a:off x="0" y="457200"/>
+            <a:ext cx="9144000" cy="457200"/>
+          </a:xfrm>
+          <a:prstGeom prst="rect">
+            <a:avLst/>
+          </a:prstGeom>
+          <a:solidFill>
+            <a:srgbClr val="FF0000"/>
+          </a:solidFill>
+          <a:ln>
+            <a:solidFill>
+              <a:srgbClr val="FF0000"/>
+            </a:solidFill>
+          </a:ln>
+          <a:effectLst/>
+        </p:spPr>
+        <p:style>
+          <a:lnRef idx="1">
+            <a:schemeClr val="accent1"/>
+          </a:lnRef>
+          <a:fillRef idx="3">
+            <a:schemeClr val="accent1"/>
+          </a:fillRef>
+          <a:effectRef idx="2">
+            <a:schemeClr val="accent1"/>
+          </a:effectRef>
+          <a:fontRef idx="minor">
+            <a:schemeClr val="lt1"/>
+          </a:fontRef>
+        </p:style>
+        <p:txBody>
+          <a:bodyPr rtlCol="0" anchor="ctr"/>
+          <a:lstStyle/>
+          <a:p>
+            <a:pPr algn="ctr"/>
+            <a:r>
+              <a:rPr sz="2400" b="1">
+                <a:latin typeface="Calibri"/>
+              </a:rPr>
+              <a:t>11th Std - Questions</a:t>
+            </a:r>
+          </a:p>
+        </p:txBody>
+      </p:sp>
+      <p:sp>
+        <p:nvSpPr>
+          <p:cNvPr id="3" name="TextBox 2"/>
+          <p:cNvSpPr txBox="1"/>
+          <p:nvPr/>
+        </p:nvSpPr>
+        <p:spPr>
+          <a:xfrm>
+            <a:off x="457200" y="1371600"/>
+            <a:ext cx="7315200" cy="3657600"/>
+          </a:xfrm>
+          <a:prstGeom prst="rect">
+            <a:avLst/>
+          </a:prstGeom>
+          <a:noFill/>
+        </p:spPr>
+        <p:txBody>
+          <a:bodyPr wrap="square">
+            <a:spAutoFit/>
+          </a:bodyPr>
+          <a:lstStyle/>
+          <a:p>
+            <a:r>
+              <a:t>Q - 4  கொடுக்கப்பட்டவைகளில் எந்த ஒரு கூற்று சரியானது</a:t>
+            </a:r>
+          </a:p>
+          <a:p>
+            <a:endParaRPr/>
+          </a:p>
+          <a:p>
+            <a:pPr>
+              <a:defRPr sz="2400" b="1">
+                <a:solidFill>
+                  <a:srgbClr val="00FF00"/>
+                </a:solidFill>
+                <a:latin typeface="Calibri"/>
+              </a:defRPr>
+            </a:pPr>
+            <a:r>
+              <a:t>இ) மக்காச்சோள விதைகளில் புரதத்தாலான அலுரான் அடுக்கு காணப்படுகிறது </a:t>
+            </a:r>
+          </a:p>
+        </p:txBody>
+      </p:sp>
+    </p:spTree>
+  </p:cSld>
+  <p:clrMapOvr>
+    <a:masterClrMapping/>
+  </p:clrMapOvr>
+</p:sld>
+</file>
+
+<file path=ppt/slides/slide7.xml><?xml version="1.0" encoding="utf-8"?>
+<p:sld xmlns:a="http://schemas.openxmlformats.org/drawingml/2006/main" xmlns:r="http://schemas.openxmlformats.org/officeDocument/2006/relationships" xmlns:p="http://schemas.openxmlformats.org/presentationml/2006/main">
+  <p:cSld>
+    <p:spTree>
+      <p:nvGrpSpPr>
+        <p:cNvPr id="1" name=""/>
+        <p:cNvGrpSpPr/>
+        <p:nvPr/>
+      </p:nvGrpSpPr>
+      <p:grpSpPr>
+        <a:xfrm>
+          <a:off x="0" y="0"/>
+          <a:ext cx="0" cy="0"/>
+          <a:chOff x="0" y="0"/>
+          <a:chExt cx="0" cy="0"/>
+        </a:xfrm>
+      </p:grpSpPr>
+      <p:sp>
+        <p:nvSpPr>
+          <p:cNvPr id="2" name="Rectangle 1"/>
+          <p:cNvSpPr/>
+          <p:nvPr/>
+        </p:nvSpPr>
+        <p:spPr>
+          <a:xfrm>
+            <a:off x="0" y="457200"/>
+            <a:ext cx="9144000" cy="457200"/>
+          </a:xfrm>
+          <a:prstGeom prst="rect">
+            <a:avLst/>
+          </a:prstGeom>
+          <a:solidFill>
+            <a:srgbClr val="FF0000"/>
+          </a:solidFill>
+          <a:ln>
+            <a:solidFill>
+              <a:srgbClr val="FF0000"/>
+            </a:solidFill>
+          </a:ln>
+          <a:effectLst/>
+        </p:spPr>
+        <p:style>
+          <a:lnRef idx="1">
+            <a:schemeClr val="accent1"/>
+          </a:lnRef>
+          <a:fillRef idx="3">
+            <a:schemeClr val="accent1"/>
+          </a:fillRef>
+          <a:effectRef idx="2">
+            <a:schemeClr val="accent1"/>
+          </a:effectRef>
+          <a:fontRef idx="minor">
+            <a:schemeClr val="lt1"/>
+          </a:fontRef>
+        </p:style>
+        <p:txBody>
+          <a:bodyPr rtlCol="0" anchor="ctr"/>
+          <a:lstStyle/>
+          <a:p>
+            <a:pPr algn="ctr"/>
+            <a:r>
+              <a:rPr sz="2400" b="1">
+                <a:latin typeface="Calibri"/>
+              </a:rPr>
+              <a:t>11th Std - Questions</a:t>
+            </a:r>
+          </a:p>
+        </p:txBody>
+      </p:sp>
+      <p:sp>
+        <p:nvSpPr>
+          <p:cNvPr id="3" name="TextBox 2"/>
+          <p:cNvSpPr txBox="1"/>
+          <p:nvPr/>
+        </p:nvSpPr>
+        <p:spPr>
+          <a:xfrm>
+            <a:off x="457200" y="1371600"/>
+            <a:ext cx="7315200" cy="3657600"/>
+          </a:xfrm>
+          <a:prstGeom prst="rect">
+            <a:avLst/>
+          </a:prstGeom>
+          <a:noFill/>
+        </p:spPr>
+        <p:txBody>
+          <a:bodyPr wrap="square">
+            <a:spAutoFit/>
+          </a:bodyPr>
+          <a:lstStyle/>
+          <a:p>
+            <a:r>
+              <a:t>Q - 5  உண்ணும் தரைக்கீழ்த்தண்டிற்கு உதாரணம்</a:t>
+            </a:r>
+          </a:p>
+          <a:p>
+            <a:endParaRPr/>
+          </a:p>
+          <a:p>
+            <a:r>
+              <a:t>அ) கேரட்</a:t>
+            </a:r>
+          </a:p>
+          <a:p>
+            <a:endParaRPr/>
+          </a:p>
+          <a:p>
+            <a:r>
+              <a:t>ஆ) நிலக்கடலை</a:t>
+            </a:r>
+          </a:p>
+          <a:p>
+            <a:endParaRPr/>
+          </a:p>
+          <a:p>
+            <a:r>
+              <a:t>இ) சர்க்கரை வள்ளிக்கிழங்கு</a:t>
+            </a:r>
+          </a:p>
+          <a:p>
+            <a:endParaRPr/>
+          </a:p>
+          <a:p>
+            <a:r>
+              <a:t>ஈ) உருளைக்கிழங்கு </a:t>
+            </a:r>
+          </a:p>
+        </p:txBody>
+      </p:sp>
+    </p:spTree>
+  </p:cSld>
+  <p:clrMapOvr>
+    <a:masterClrMapping/>
+  </p:clrMapOvr>
+</p:sld>
+</file>
+
+<file path=ppt/slides/slide8.xml><?xml version="1.0" encoding="utf-8"?>
+<p:sld xmlns:a="http://schemas.openxmlformats.org/drawingml/2006/main" xmlns:r="http://schemas.openxmlformats.org/officeDocument/2006/relationships" xmlns:p="http://schemas.openxmlformats.org/presentationml/2006/main">
+  <p:cSld>
+    <p:spTree>
+      <p:nvGrpSpPr>
+        <p:cNvPr id="1" name=""/>
+        <p:cNvGrpSpPr/>
+        <p:nvPr/>
+      </p:nvGrpSpPr>
+      <p:grpSpPr>
+        <a:xfrm>
+          <a:off x="0" y="0"/>
+          <a:ext cx="0" cy="0"/>
+          <a:chOff x="0" y="0"/>
+          <a:chExt cx="0" cy="0"/>
+        </a:xfrm>
+      </p:grpSpPr>
+      <p:sp>
+        <p:nvSpPr>
+          <p:cNvPr id="2" name="Rectangle 1"/>
+          <p:cNvSpPr/>
+          <p:nvPr/>
+        </p:nvSpPr>
+        <p:spPr>
+          <a:xfrm>
+            <a:off x="0" y="457200"/>
+            <a:ext cx="9144000" cy="457200"/>
+          </a:xfrm>
+          <a:prstGeom prst="rect">
+            <a:avLst/>
+          </a:prstGeom>
+          <a:solidFill>
+            <a:srgbClr val="FF0000"/>
+          </a:solidFill>
+          <a:ln>
+            <a:solidFill>
+              <a:srgbClr val="FF0000"/>
+            </a:solidFill>
+          </a:ln>
+          <a:effectLst/>
+        </p:spPr>
+        <p:style>
+          <a:lnRef idx="1">
+            <a:schemeClr val="accent1"/>
+          </a:lnRef>
+          <a:fillRef idx="3">
+            <a:schemeClr val="accent1"/>
+          </a:fillRef>
+          <a:effectRef idx="2">
+            <a:schemeClr val="accent1"/>
+          </a:effectRef>
+          <a:fontRef idx="minor">
+            <a:schemeClr val="lt1"/>
+          </a:fontRef>
+        </p:style>
+        <p:txBody>
+          <a:bodyPr rtlCol="0" anchor="ctr"/>
+          <a:lstStyle/>
+          <a:p>
+            <a:pPr algn="ctr"/>
+            <a:r>
+              <a:rPr sz="2400" b="1">
+                <a:latin typeface="Calibri"/>
+              </a:rPr>
+              <a:t>11th Std - Questions</a:t>
+            </a:r>
+          </a:p>
+        </p:txBody>
+      </p:sp>
+      <p:sp>
+        <p:nvSpPr>
+          <p:cNvPr id="3" name="TextBox 2"/>
+          <p:cNvSpPr txBox="1"/>
+          <p:nvPr/>
+        </p:nvSpPr>
+        <p:spPr>
+          <a:xfrm>
+            <a:off x="457200" y="1371600"/>
+            <a:ext cx="7315200" cy="3657600"/>
+          </a:xfrm>
+          <a:prstGeom prst="rect">
+            <a:avLst/>
+          </a:prstGeom>
+          <a:noFill/>
+        </p:spPr>
+        <p:txBody>
+          <a:bodyPr wrap="square">
+            <a:spAutoFit/>
+          </a:bodyPr>
+          <a:lstStyle/>
+          <a:p>
+            <a:r>
+              <a:t>Q - 5  உண்ணும் தரைக்கீழ்த்தண்டிற்கு உதாரணம்</a:t>
+            </a:r>
+          </a:p>
+          <a:p>
+            <a:endParaRPr/>
+          </a:p>
+          <a:p>
+            <a:pPr>
+              <a:defRPr sz="2400" b="1">
+                <a:solidFill>
+                  <a:srgbClr val="00FF00"/>
+                </a:solidFill>
+                <a:latin typeface="Calibri"/>
+              </a:defRPr>
+            </a:pPr>
+            <a:r>
+              <a:t>ஈ) உருளைக்கிழங்கு </a:t>
+            </a:r>
+          </a:p>
+        </p:txBody>
+      </p:sp>
+    </p:spTree>
+  </p:cSld>
+  <p:clrMapOvr>
+    <a:masterClrMapping/>
+  </p:clrMapOvr>
+</p:sld>
+</file>
+
+<file path=ppt/slides/slide9.xml><?xml version="1.0" encoding="utf-8"?>
+<p:sld xmlns:a="http://schemas.openxmlformats.org/drawingml/2006/main" xmlns:r="http://schemas.openxmlformats.org/officeDocument/2006/relationships" xmlns:p="http://schemas.openxmlformats.org/presentationml/2006/main">
+  <p:cSld>
+    <p:spTree>
+      <p:nvGrpSpPr>
+        <p:cNvPr id="1" name=""/>
+        <p:cNvGrpSpPr/>
+        <p:nvPr/>
+      </p:nvGrpSpPr>
+      <p:grpSpPr>
+        <a:xfrm>
+          <a:off x="0" y="0"/>
+          <a:ext cx="0" cy="0"/>
+          <a:chOff x="0" y="0"/>
+          <a:chExt cx="0" cy="0"/>
+        </a:xfrm>
+      </p:grpSpPr>
+      <p:sp>
+        <p:nvSpPr>
+          <p:cNvPr id="2" name="Rectangle 1"/>
+          <p:cNvSpPr/>
+          <p:nvPr/>
+        </p:nvSpPr>
+        <p:spPr>
+          <a:xfrm>
+            <a:off x="0" y="457200"/>
+            <a:ext cx="9144000" cy="457200"/>
+          </a:xfrm>
+          <a:prstGeom prst="rect">
+            <a:avLst/>
+          </a:prstGeom>
+          <a:solidFill>
+            <a:srgbClr val="FF0000"/>
+          </a:solidFill>
+          <a:ln>
+            <a:solidFill>
+              <a:srgbClr val="FF0000"/>
+            </a:solidFill>
+          </a:ln>
+          <a:effectLst/>
+        </p:spPr>
+        <p:style>
+          <a:lnRef idx="1">
+            <a:schemeClr val="accent1"/>
+          </a:lnRef>
+          <a:fillRef idx="3">
+            <a:schemeClr val="accent1"/>
+          </a:fillRef>
+          <a:effectRef idx="2">
+            <a:schemeClr val="accent1"/>
+          </a:effectRef>
+          <a:fontRef idx="minor">
+            <a:schemeClr val="lt1"/>
+          </a:fontRef>
+        </p:style>
+        <p:txBody>
+          <a:bodyPr rtlCol="0" anchor="ctr"/>
+          <a:lstStyle/>
+          <a:p>
+            <a:pPr algn="ctr"/>
+            <a:r>
+              <a:rPr sz="2400" b="1">
+                <a:latin typeface="Calibri"/>
+              </a:rPr>
+              <a:t>11th Std - Questions</a:t>
+            </a:r>
+          </a:p>
+        </p:txBody>
+      </p:sp>
+      <p:sp>
+        <p:nvSpPr>
+          <p:cNvPr id="3" name="TextBox 2"/>
+          <p:cNvSpPr txBox="1"/>
+          <p:nvPr/>
+        </p:nvSpPr>
+        <p:spPr>
+          <a:xfrm>
+            <a:off x="457200" y="1371600"/>
+            <a:ext cx="7315200" cy="3657600"/>
+          </a:xfrm>
+          <a:prstGeom prst="rect">
+            <a:avLst/>
+          </a:prstGeom>
+          <a:noFill/>
+        </p:spPr>
+        <p:txBody>
+          <a:bodyPr wrap="square">
+            <a:spAutoFit/>
+          </a:bodyPr>
+          <a:lstStyle/>
+          <a:p>
+            <a:r>
+              <a:t>Q - 6  சூல் ஒட்டுத்திசு மற்றும் கனித்தோல் ஆகிய இரண்டும் உண்ணும் பகுதியாக இருப்பது</a:t>
+            </a:r>
+          </a:p>
+          <a:p>
+            <a:endParaRPr/>
+          </a:p>
+          <a:p>
+            <a:r>
+              <a:t>அ) ஆப்பிள்</a:t>
+            </a:r>
+          </a:p>
+          <a:p>
+            <a:endParaRPr/>
+          </a:p>
+          <a:p>
+            <a:r>
+              <a:t>ஆ) வாழை</a:t>
+            </a:r>
+          </a:p>
+          <a:p>
+            <a:endParaRPr/>
+          </a:p>
+          <a:p>
+            <a:r>
+              <a:t>இ) தக்காளி</a:t>
+            </a:r>
+          </a:p>
+          <a:p>
+            <a:endParaRPr/>
+          </a:p>
+          <a:p>
+            <a:r>
+              <a:t>ஈ) உருளைக்கிழங்கு</a:t>
             </a:r>
           </a:p>
         </p:txBody>
